--- a/files/cluster.pptx
+++ b/files/cluster.pptx
@@ -1,20 +1,23 @@
 
 <file path=ppt/presentation.xml><?xml version="1.0" encoding="utf-8"?>
-<p:presentation xmlns:a="http://schemas.openxmlformats.org/drawingml/2006/main" xmlns:r="http://schemas.openxmlformats.org/officeDocument/2006/relationships" xmlns:p="http://schemas.openxmlformats.org/presentationml/2006/main" saveSubsetFonts="1">
+<p:presentation xmlns:a="http://schemas.openxmlformats.org/drawingml/2006/main" xmlns:r="http://schemas.openxmlformats.org/officeDocument/2006/relationships" xmlns:p="http://schemas.openxmlformats.org/presentationml/2006/main">
   <p:sldMasterIdLst>
     <p:sldMasterId id="2147483648" r:id="rId1"/>
   </p:sldMasterIdLst>
   <p:sldIdLst>
-    <p:sldId id="256" r:id="rId2"/>
-    <p:sldId id="257" r:id="rId3"/>
-    <p:sldId id="260" r:id="rId4"/>
-    <p:sldId id="263" r:id="rId5"/>
-    <p:sldId id="258" r:id="rId6"/>
-    <p:sldId id="265" r:id="rId7"/>
-    <p:sldId id="262" r:id="rId8"/>
+    <p:sldId id="256" r:id="rId3"/>
+    <p:sldId id="257" r:id="rId4"/>
+    <p:sldId id="260" r:id="rId5"/>
+    <p:sldId id="263" r:id="rId6"/>
+    <p:sldId id="258" r:id="rId7"/>
+    <p:sldId id="265" r:id="rId8"/>
+    <p:sldId id="262" r:id="rId9"/>
   </p:sldIdLst>
   <p:sldSz cx="12192000" cy="6858000"/>
   <p:notesSz cx="6858000" cy="9144000"/>
+  <p:custDataLst>
+    <p:tags r:id="rId13"/>
+  </p:custDataLst>
   <p:defaultTextStyle>
     <a:defPPr>
       <a:defRPr lang="zh-CN"/>
@@ -110,11 +113,6 @@
       </a:defRPr>
     </a:lvl9pPr>
   </p:defaultTextStyle>
-  <p:extLst>
-    <p:ext uri="{EFAFB233-063F-42B5-8137-9DF3F51BA10A}">
-      <p15:sldGuideLst xmlns:p15="http://schemas.microsoft.com/office/powerpoint/2012/main"/>
-    </p:ext>
-  </p:extLst>
 </p:presentation>
 </file>
 
@@ -137,13 +135,7 @@
       </p:grpSpPr>
       <p:sp>
         <p:nvSpPr>
-          <p:cNvPr id="2" name="标题 1">
-            <a:extLst>
-              <a:ext uri="{FF2B5EF4-FFF2-40B4-BE49-F238E27FC236}">
-                <a16:creationId xmlns:a16="http://schemas.microsoft.com/office/drawing/2014/main" id="{00602ECA-D3FB-EB6F-140F-A55510F44E82}"/>
-              </a:ext>
-            </a:extLst>
-          </p:cNvPr>
+          <p:cNvPr id="2" name="标题 1"/>
           <p:cNvSpPr>
             <a:spLocks noGrp="1"/>
           </p:cNvSpPr>
@@ -169,18 +161,13 @@
               <a:rPr lang="zh-CN" altLang="en-US"/>
               <a:t>单击此处编辑母版标题样式</a:t>
             </a:r>
-          </a:p>
-        </p:txBody>
-      </p:sp>
-      <p:sp>
-        <p:nvSpPr>
-          <p:cNvPr id="3" name="副标题 2">
-            <a:extLst>
-              <a:ext uri="{FF2B5EF4-FFF2-40B4-BE49-F238E27FC236}">
-                <a16:creationId xmlns:a16="http://schemas.microsoft.com/office/drawing/2014/main" id="{648F2BB0-8653-E869-709B-7E91EBE8FA79}"/>
-              </a:ext>
-            </a:extLst>
-          </p:cNvPr>
+            <a:endParaRPr lang="zh-CN" altLang="en-US"/>
+          </a:p>
+        </p:txBody>
+      </p:sp>
+      <p:sp>
+        <p:nvSpPr>
+          <p:cNvPr id="3" name="副标题 2"/>
           <p:cNvSpPr>
             <a:spLocks noGrp="1"/>
           </p:cNvSpPr>
@@ -239,18 +226,13 @@
               <a:rPr lang="zh-CN" altLang="en-US"/>
               <a:t>单击此处编辑母版副标题样式</a:t>
             </a:r>
-          </a:p>
-        </p:txBody>
-      </p:sp>
-      <p:sp>
-        <p:nvSpPr>
-          <p:cNvPr id="4" name="日期占位符 3">
-            <a:extLst>
-              <a:ext uri="{FF2B5EF4-FFF2-40B4-BE49-F238E27FC236}">
-                <a16:creationId xmlns:a16="http://schemas.microsoft.com/office/drawing/2014/main" id="{A0AB0478-D730-FED0-8CAC-E68363C37021}"/>
-              </a:ext>
-            </a:extLst>
-          </p:cNvPr>
+            <a:endParaRPr lang="zh-CN" altLang="en-US"/>
+          </a:p>
+        </p:txBody>
+      </p:sp>
+      <p:sp>
+        <p:nvSpPr>
+          <p:cNvPr id="4" name="日期占位符 3"/>
           <p:cNvSpPr>
             <a:spLocks noGrp="1"/>
           </p:cNvSpPr>
@@ -265,7 +247,6 @@
           <a:p>
             <a:fld id="{6AE4E1EC-4955-49E8-8098-97C805464AF2}" type="datetimeFigureOut">
               <a:rPr lang="zh-CN" altLang="en-US" smtClean="0"/>
-              <a:t>2024/5/7</a:t>
             </a:fld>
             <a:endParaRPr lang="zh-CN" altLang="en-US"/>
           </a:p>
@@ -273,13 +254,7 @@
       </p:sp>
       <p:sp>
         <p:nvSpPr>
-          <p:cNvPr id="5" name="页脚占位符 4">
-            <a:extLst>
-              <a:ext uri="{FF2B5EF4-FFF2-40B4-BE49-F238E27FC236}">
-                <a16:creationId xmlns:a16="http://schemas.microsoft.com/office/drawing/2014/main" id="{7EA523A3-10F2-D9B4-AAE9-9D340E37C2CA}"/>
-              </a:ext>
-            </a:extLst>
-          </p:cNvPr>
+          <p:cNvPr id="5" name="页脚占位符 4"/>
           <p:cNvSpPr>
             <a:spLocks noGrp="1"/>
           </p:cNvSpPr>
@@ -298,13 +273,7 @@
       </p:sp>
       <p:sp>
         <p:nvSpPr>
-          <p:cNvPr id="6" name="灯片编号占位符 5">
-            <a:extLst>
-              <a:ext uri="{FF2B5EF4-FFF2-40B4-BE49-F238E27FC236}">
-                <a16:creationId xmlns:a16="http://schemas.microsoft.com/office/drawing/2014/main" id="{93329FE7-8F0C-36E7-C9CF-B9CBE0A87364}"/>
-              </a:ext>
-            </a:extLst>
-          </p:cNvPr>
+          <p:cNvPr id="6" name="灯片编号占位符 5"/>
           <p:cNvSpPr>
             <a:spLocks noGrp="1"/>
           </p:cNvSpPr>
@@ -319,18 +288,12 @@
           <a:p>
             <a:fld id="{1B63BA6A-77B8-4D13-B8F3-2724A4F7B5A6}" type="slidenum">
               <a:rPr lang="zh-CN" altLang="en-US" smtClean="0"/>
-              <a:t>‹#›</a:t>
             </a:fld>
             <a:endParaRPr lang="zh-CN" altLang="en-US"/>
           </a:p>
         </p:txBody>
       </p:sp>
     </p:spTree>
-    <p:extLst>
-      <p:ext uri="{BB962C8B-B14F-4D97-AF65-F5344CB8AC3E}">
-        <p14:creationId xmlns:p14="http://schemas.microsoft.com/office/powerpoint/2010/main" val="2170033231"/>
-      </p:ext>
-    </p:extLst>
   </p:cSld>
   <p:clrMapOvr>
     <a:masterClrMapping/>
@@ -357,13 +320,7 @@
       </p:grpSpPr>
       <p:sp>
         <p:nvSpPr>
-          <p:cNvPr id="2" name="标题 1">
-            <a:extLst>
-              <a:ext uri="{FF2B5EF4-FFF2-40B4-BE49-F238E27FC236}">
-                <a16:creationId xmlns:a16="http://schemas.microsoft.com/office/drawing/2014/main" id="{C0F4D3AE-9293-A227-7734-DCE3857CF1F2}"/>
-              </a:ext>
-            </a:extLst>
-          </p:cNvPr>
+          <p:cNvPr id="2" name="标题 1"/>
           <p:cNvSpPr>
             <a:spLocks noGrp="1"/>
           </p:cNvSpPr>
@@ -380,18 +337,13 @@
               <a:rPr lang="zh-CN" altLang="en-US"/>
               <a:t>单击此处编辑母版标题样式</a:t>
             </a:r>
-          </a:p>
-        </p:txBody>
-      </p:sp>
-      <p:sp>
-        <p:nvSpPr>
-          <p:cNvPr id="3" name="竖排文字占位符 2">
-            <a:extLst>
-              <a:ext uri="{FF2B5EF4-FFF2-40B4-BE49-F238E27FC236}">
-                <a16:creationId xmlns:a16="http://schemas.microsoft.com/office/drawing/2014/main" id="{F8349925-5A22-83F4-CC42-30CEE1DE2935}"/>
-              </a:ext>
-            </a:extLst>
-          </p:cNvPr>
+            <a:endParaRPr lang="zh-CN" altLang="en-US"/>
+          </a:p>
+        </p:txBody>
+      </p:sp>
+      <p:sp>
+        <p:nvSpPr>
+          <p:cNvPr id="3" name="竖排文字占位符 2"/>
           <p:cNvSpPr>
             <a:spLocks noGrp="1"/>
           </p:cNvSpPr>
@@ -409,6 +361,7 @@
               <a:rPr lang="zh-CN" altLang="en-US"/>
               <a:t>单击此处编辑母版文本样式</a:t>
             </a:r>
+            <a:endParaRPr lang="zh-CN" altLang="en-US"/>
           </a:p>
           <a:p>
             <a:pPr lvl="1"/>
@@ -416,6 +369,7 @@
               <a:rPr lang="zh-CN" altLang="en-US"/>
               <a:t>二级</a:t>
             </a:r>
+            <a:endParaRPr lang="zh-CN" altLang="en-US"/>
           </a:p>
           <a:p>
             <a:pPr lvl="2"/>
@@ -423,6 +377,7 @@
               <a:rPr lang="zh-CN" altLang="en-US"/>
               <a:t>三级</a:t>
             </a:r>
+            <a:endParaRPr lang="zh-CN" altLang="en-US"/>
           </a:p>
           <a:p>
             <a:pPr lvl="3"/>
@@ -430,6 +385,7 @@
               <a:rPr lang="zh-CN" altLang="en-US"/>
               <a:t>四级</a:t>
             </a:r>
+            <a:endParaRPr lang="zh-CN" altLang="en-US"/>
           </a:p>
           <a:p>
             <a:pPr lvl="4"/>
@@ -437,18 +393,13 @@
               <a:rPr lang="zh-CN" altLang="en-US"/>
               <a:t>五级</a:t>
             </a:r>
-          </a:p>
-        </p:txBody>
-      </p:sp>
-      <p:sp>
-        <p:nvSpPr>
-          <p:cNvPr id="4" name="日期占位符 3">
-            <a:extLst>
-              <a:ext uri="{FF2B5EF4-FFF2-40B4-BE49-F238E27FC236}">
-                <a16:creationId xmlns:a16="http://schemas.microsoft.com/office/drawing/2014/main" id="{4B246BAD-F070-195D-93FB-AD874B88D990}"/>
-              </a:ext>
-            </a:extLst>
-          </p:cNvPr>
+            <a:endParaRPr lang="zh-CN" altLang="en-US"/>
+          </a:p>
+        </p:txBody>
+      </p:sp>
+      <p:sp>
+        <p:nvSpPr>
+          <p:cNvPr id="4" name="日期占位符 3"/>
           <p:cNvSpPr>
             <a:spLocks noGrp="1"/>
           </p:cNvSpPr>
@@ -463,7 +414,6 @@
           <a:p>
             <a:fld id="{6AE4E1EC-4955-49E8-8098-97C805464AF2}" type="datetimeFigureOut">
               <a:rPr lang="zh-CN" altLang="en-US" smtClean="0"/>
-              <a:t>2024/5/7</a:t>
             </a:fld>
             <a:endParaRPr lang="zh-CN" altLang="en-US"/>
           </a:p>
@@ -471,13 +421,7 @@
       </p:sp>
       <p:sp>
         <p:nvSpPr>
-          <p:cNvPr id="5" name="页脚占位符 4">
-            <a:extLst>
-              <a:ext uri="{FF2B5EF4-FFF2-40B4-BE49-F238E27FC236}">
-                <a16:creationId xmlns:a16="http://schemas.microsoft.com/office/drawing/2014/main" id="{53A12EF8-4D19-A830-E8B8-124EB562D9E3}"/>
-              </a:ext>
-            </a:extLst>
-          </p:cNvPr>
+          <p:cNvPr id="5" name="页脚占位符 4"/>
           <p:cNvSpPr>
             <a:spLocks noGrp="1"/>
           </p:cNvSpPr>
@@ -496,13 +440,7 @@
       </p:sp>
       <p:sp>
         <p:nvSpPr>
-          <p:cNvPr id="6" name="灯片编号占位符 5">
-            <a:extLst>
-              <a:ext uri="{FF2B5EF4-FFF2-40B4-BE49-F238E27FC236}">
-                <a16:creationId xmlns:a16="http://schemas.microsoft.com/office/drawing/2014/main" id="{242325DC-4E7D-97CB-5BAB-67A6B9ED5D63}"/>
-              </a:ext>
-            </a:extLst>
-          </p:cNvPr>
+          <p:cNvPr id="6" name="灯片编号占位符 5"/>
           <p:cNvSpPr>
             <a:spLocks noGrp="1"/>
           </p:cNvSpPr>
@@ -517,18 +455,12 @@
           <a:p>
             <a:fld id="{1B63BA6A-77B8-4D13-B8F3-2724A4F7B5A6}" type="slidenum">
               <a:rPr lang="zh-CN" altLang="en-US" smtClean="0"/>
-              <a:t>‹#›</a:t>
             </a:fld>
             <a:endParaRPr lang="zh-CN" altLang="en-US"/>
           </a:p>
         </p:txBody>
       </p:sp>
     </p:spTree>
-    <p:extLst>
-      <p:ext uri="{BB962C8B-B14F-4D97-AF65-F5344CB8AC3E}">
-        <p14:creationId xmlns:p14="http://schemas.microsoft.com/office/powerpoint/2010/main" val="2242098897"/>
-      </p:ext>
-    </p:extLst>
   </p:cSld>
   <p:clrMapOvr>
     <a:masterClrMapping/>
@@ -555,13 +487,7 @@
       </p:grpSpPr>
       <p:sp>
         <p:nvSpPr>
-          <p:cNvPr id="2" name="竖排标题 1">
-            <a:extLst>
-              <a:ext uri="{FF2B5EF4-FFF2-40B4-BE49-F238E27FC236}">
-                <a16:creationId xmlns:a16="http://schemas.microsoft.com/office/drawing/2014/main" id="{9E62148F-AF54-9997-BD8C-45603691EA37}"/>
-              </a:ext>
-            </a:extLst>
-          </p:cNvPr>
+          <p:cNvPr id="2" name="竖排标题 1"/>
           <p:cNvSpPr>
             <a:spLocks noGrp="1"/>
           </p:cNvSpPr>
@@ -583,18 +509,13 @@
               <a:rPr lang="zh-CN" altLang="en-US"/>
               <a:t>单击此处编辑母版标题样式</a:t>
             </a:r>
-          </a:p>
-        </p:txBody>
-      </p:sp>
-      <p:sp>
-        <p:nvSpPr>
-          <p:cNvPr id="3" name="竖排文字占位符 2">
-            <a:extLst>
-              <a:ext uri="{FF2B5EF4-FFF2-40B4-BE49-F238E27FC236}">
-                <a16:creationId xmlns:a16="http://schemas.microsoft.com/office/drawing/2014/main" id="{9B8521A6-39F3-82F9-B4BB-AFE97784D35E}"/>
-              </a:ext>
-            </a:extLst>
-          </p:cNvPr>
+            <a:endParaRPr lang="zh-CN" altLang="en-US"/>
+          </a:p>
+        </p:txBody>
+      </p:sp>
+      <p:sp>
+        <p:nvSpPr>
+          <p:cNvPr id="3" name="竖排文字占位符 2"/>
           <p:cNvSpPr>
             <a:spLocks noGrp="1"/>
           </p:cNvSpPr>
@@ -617,6 +538,7 @@
               <a:rPr lang="zh-CN" altLang="en-US"/>
               <a:t>单击此处编辑母版文本样式</a:t>
             </a:r>
+            <a:endParaRPr lang="zh-CN" altLang="en-US"/>
           </a:p>
           <a:p>
             <a:pPr lvl="1"/>
@@ -624,6 +546,7 @@
               <a:rPr lang="zh-CN" altLang="en-US"/>
               <a:t>二级</a:t>
             </a:r>
+            <a:endParaRPr lang="zh-CN" altLang="en-US"/>
           </a:p>
           <a:p>
             <a:pPr lvl="2"/>
@@ -631,6 +554,7 @@
               <a:rPr lang="zh-CN" altLang="en-US"/>
               <a:t>三级</a:t>
             </a:r>
+            <a:endParaRPr lang="zh-CN" altLang="en-US"/>
           </a:p>
           <a:p>
             <a:pPr lvl="3"/>
@@ -638,6 +562,7 @@
               <a:rPr lang="zh-CN" altLang="en-US"/>
               <a:t>四级</a:t>
             </a:r>
+            <a:endParaRPr lang="zh-CN" altLang="en-US"/>
           </a:p>
           <a:p>
             <a:pPr lvl="4"/>
@@ -645,18 +570,13 @@
               <a:rPr lang="zh-CN" altLang="en-US"/>
               <a:t>五级</a:t>
             </a:r>
-          </a:p>
-        </p:txBody>
-      </p:sp>
-      <p:sp>
-        <p:nvSpPr>
-          <p:cNvPr id="4" name="日期占位符 3">
-            <a:extLst>
-              <a:ext uri="{FF2B5EF4-FFF2-40B4-BE49-F238E27FC236}">
-                <a16:creationId xmlns:a16="http://schemas.microsoft.com/office/drawing/2014/main" id="{DD8AA07F-223B-C835-6F5B-C3451826246A}"/>
-              </a:ext>
-            </a:extLst>
-          </p:cNvPr>
+            <a:endParaRPr lang="zh-CN" altLang="en-US"/>
+          </a:p>
+        </p:txBody>
+      </p:sp>
+      <p:sp>
+        <p:nvSpPr>
+          <p:cNvPr id="4" name="日期占位符 3"/>
           <p:cNvSpPr>
             <a:spLocks noGrp="1"/>
           </p:cNvSpPr>
@@ -671,7 +591,6 @@
           <a:p>
             <a:fld id="{6AE4E1EC-4955-49E8-8098-97C805464AF2}" type="datetimeFigureOut">
               <a:rPr lang="zh-CN" altLang="en-US" smtClean="0"/>
-              <a:t>2024/5/7</a:t>
             </a:fld>
             <a:endParaRPr lang="zh-CN" altLang="en-US"/>
           </a:p>
@@ -679,13 +598,7 @@
       </p:sp>
       <p:sp>
         <p:nvSpPr>
-          <p:cNvPr id="5" name="页脚占位符 4">
-            <a:extLst>
-              <a:ext uri="{FF2B5EF4-FFF2-40B4-BE49-F238E27FC236}">
-                <a16:creationId xmlns:a16="http://schemas.microsoft.com/office/drawing/2014/main" id="{D3F6C286-0732-8A22-38A8-68E322EB2501}"/>
-              </a:ext>
-            </a:extLst>
-          </p:cNvPr>
+          <p:cNvPr id="5" name="页脚占位符 4"/>
           <p:cNvSpPr>
             <a:spLocks noGrp="1"/>
           </p:cNvSpPr>
@@ -704,13 +617,7 @@
       </p:sp>
       <p:sp>
         <p:nvSpPr>
-          <p:cNvPr id="6" name="灯片编号占位符 5">
-            <a:extLst>
-              <a:ext uri="{FF2B5EF4-FFF2-40B4-BE49-F238E27FC236}">
-                <a16:creationId xmlns:a16="http://schemas.microsoft.com/office/drawing/2014/main" id="{2018E1B7-06B5-BA41-0865-523C9B1A5FEB}"/>
-              </a:ext>
-            </a:extLst>
-          </p:cNvPr>
+          <p:cNvPr id="6" name="灯片编号占位符 5"/>
           <p:cNvSpPr>
             <a:spLocks noGrp="1"/>
           </p:cNvSpPr>
@@ -725,18 +632,12 @@
           <a:p>
             <a:fld id="{1B63BA6A-77B8-4D13-B8F3-2724A4F7B5A6}" type="slidenum">
               <a:rPr lang="zh-CN" altLang="en-US" smtClean="0"/>
-              <a:t>‹#›</a:t>
             </a:fld>
             <a:endParaRPr lang="zh-CN" altLang="en-US"/>
           </a:p>
         </p:txBody>
       </p:sp>
     </p:spTree>
-    <p:extLst>
-      <p:ext uri="{BB962C8B-B14F-4D97-AF65-F5344CB8AC3E}">
-        <p14:creationId xmlns:p14="http://schemas.microsoft.com/office/powerpoint/2010/main" val="660870403"/>
-      </p:ext>
-    </p:extLst>
   </p:cSld>
   <p:clrMapOvr>
     <a:masterClrMapping/>
@@ -763,13 +664,7 @@
       </p:grpSpPr>
       <p:sp>
         <p:nvSpPr>
-          <p:cNvPr id="2" name="标题 1">
-            <a:extLst>
-              <a:ext uri="{FF2B5EF4-FFF2-40B4-BE49-F238E27FC236}">
-                <a16:creationId xmlns:a16="http://schemas.microsoft.com/office/drawing/2014/main" id="{4E4F478A-CC8E-65F4-9657-936199CFA04A}"/>
-              </a:ext>
-            </a:extLst>
-          </p:cNvPr>
+          <p:cNvPr id="2" name="标题 1"/>
           <p:cNvSpPr>
             <a:spLocks noGrp="1"/>
           </p:cNvSpPr>
@@ -786,18 +681,13 @@
               <a:rPr lang="zh-CN" altLang="en-US"/>
               <a:t>单击此处编辑母版标题样式</a:t>
             </a:r>
-          </a:p>
-        </p:txBody>
-      </p:sp>
-      <p:sp>
-        <p:nvSpPr>
-          <p:cNvPr id="3" name="内容占位符 2">
-            <a:extLst>
-              <a:ext uri="{FF2B5EF4-FFF2-40B4-BE49-F238E27FC236}">
-                <a16:creationId xmlns:a16="http://schemas.microsoft.com/office/drawing/2014/main" id="{145E8975-0F96-A83E-E773-F5F5D12D571D}"/>
-              </a:ext>
-            </a:extLst>
-          </p:cNvPr>
+            <a:endParaRPr lang="zh-CN" altLang="en-US"/>
+          </a:p>
+        </p:txBody>
+      </p:sp>
+      <p:sp>
+        <p:nvSpPr>
+          <p:cNvPr id="3" name="内容占位符 2"/>
           <p:cNvSpPr>
             <a:spLocks noGrp="1"/>
           </p:cNvSpPr>
@@ -815,6 +705,7 @@
               <a:rPr lang="zh-CN" altLang="en-US"/>
               <a:t>单击此处编辑母版文本样式</a:t>
             </a:r>
+            <a:endParaRPr lang="zh-CN" altLang="en-US"/>
           </a:p>
           <a:p>
             <a:pPr lvl="1"/>
@@ -822,6 +713,7 @@
               <a:rPr lang="zh-CN" altLang="en-US"/>
               <a:t>二级</a:t>
             </a:r>
+            <a:endParaRPr lang="zh-CN" altLang="en-US"/>
           </a:p>
           <a:p>
             <a:pPr lvl="2"/>
@@ -829,6 +721,7 @@
               <a:rPr lang="zh-CN" altLang="en-US"/>
               <a:t>三级</a:t>
             </a:r>
+            <a:endParaRPr lang="zh-CN" altLang="en-US"/>
           </a:p>
           <a:p>
             <a:pPr lvl="3"/>
@@ -836,6 +729,7 @@
               <a:rPr lang="zh-CN" altLang="en-US"/>
               <a:t>四级</a:t>
             </a:r>
+            <a:endParaRPr lang="zh-CN" altLang="en-US"/>
           </a:p>
           <a:p>
             <a:pPr lvl="4"/>
@@ -843,18 +737,13 @@
               <a:rPr lang="zh-CN" altLang="en-US"/>
               <a:t>五级</a:t>
             </a:r>
-          </a:p>
-        </p:txBody>
-      </p:sp>
-      <p:sp>
-        <p:nvSpPr>
-          <p:cNvPr id="4" name="日期占位符 3">
-            <a:extLst>
-              <a:ext uri="{FF2B5EF4-FFF2-40B4-BE49-F238E27FC236}">
-                <a16:creationId xmlns:a16="http://schemas.microsoft.com/office/drawing/2014/main" id="{8F86CE17-7620-99F3-E953-7E611E0FD7A8}"/>
-              </a:ext>
-            </a:extLst>
-          </p:cNvPr>
+            <a:endParaRPr lang="zh-CN" altLang="en-US"/>
+          </a:p>
+        </p:txBody>
+      </p:sp>
+      <p:sp>
+        <p:nvSpPr>
+          <p:cNvPr id="4" name="日期占位符 3"/>
           <p:cNvSpPr>
             <a:spLocks noGrp="1"/>
           </p:cNvSpPr>
@@ -869,7 +758,6 @@
           <a:p>
             <a:fld id="{6AE4E1EC-4955-49E8-8098-97C805464AF2}" type="datetimeFigureOut">
               <a:rPr lang="zh-CN" altLang="en-US" smtClean="0"/>
-              <a:t>2024/5/7</a:t>
             </a:fld>
             <a:endParaRPr lang="zh-CN" altLang="en-US"/>
           </a:p>
@@ -877,13 +765,7 @@
       </p:sp>
       <p:sp>
         <p:nvSpPr>
-          <p:cNvPr id="5" name="页脚占位符 4">
-            <a:extLst>
-              <a:ext uri="{FF2B5EF4-FFF2-40B4-BE49-F238E27FC236}">
-                <a16:creationId xmlns:a16="http://schemas.microsoft.com/office/drawing/2014/main" id="{2BC55114-FF6C-7794-6B22-A2C6B00BCB0F}"/>
-              </a:ext>
-            </a:extLst>
-          </p:cNvPr>
+          <p:cNvPr id="5" name="页脚占位符 4"/>
           <p:cNvSpPr>
             <a:spLocks noGrp="1"/>
           </p:cNvSpPr>
@@ -902,13 +784,7 @@
       </p:sp>
       <p:sp>
         <p:nvSpPr>
-          <p:cNvPr id="6" name="灯片编号占位符 5">
-            <a:extLst>
-              <a:ext uri="{FF2B5EF4-FFF2-40B4-BE49-F238E27FC236}">
-                <a16:creationId xmlns:a16="http://schemas.microsoft.com/office/drawing/2014/main" id="{65917965-E365-47E6-28AF-14F4D18728B7}"/>
-              </a:ext>
-            </a:extLst>
-          </p:cNvPr>
+          <p:cNvPr id="6" name="灯片编号占位符 5"/>
           <p:cNvSpPr>
             <a:spLocks noGrp="1"/>
           </p:cNvSpPr>
@@ -923,18 +799,12 @@
           <a:p>
             <a:fld id="{1B63BA6A-77B8-4D13-B8F3-2724A4F7B5A6}" type="slidenum">
               <a:rPr lang="zh-CN" altLang="en-US" smtClean="0"/>
-              <a:t>‹#›</a:t>
             </a:fld>
             <a:endParaRPr lang="zh-CN" altLang="en-US"/>
           </a:p>
         </p:txBody>
       </p:sp>
     </p:spTree>
-    <p:extLst>
-      <p:ext uri="{BB962C8B-B14F-4D97-AF65-F5344CB8AC3E}">
-        <p14:creationId xmlns:p14="http://schemas.microsoft.com/office/powerpoint/2010/main" val="1668880098"/>
-      </p:ext>
-    </p:extLst>
   </p:cSld>
   <p:clrMapOvr>
     <a:masterClrMapping/>
@@ -961,13 +831,7 @@
       </p:grpSpPr>
       <p:sp>
         <p:nvSpPr>
-          <p:cNvPr id="2" name="标题 1">
-            <a:extLst>
-              <a:ext uri="{FF2B5EF4-FFF2-40B4-BE49-F238E27FC236}">
-                <a16:creationId xmlns:a16="http://schemas.microsoft.com/office/drawing/2014/main" id="{F40E47B3-E275-398D-B742-7405BCFF0539}"/>
-              </a:ext>
-            </a:extLst>
-          </p:cNvPr>
+          <p:cNvPr id="2" name="标题 1"/>
           <p:cNvSpPr>
             <a:spLocks noGrp="1"/>
           </p:cNvSpPr>
@@ -993,18 +857,13 @@
               <a:rPr lang="zh-CN" altLang="en-US"/>
               <a:t>单击此处编辑母版标题样式</a:t>
             </a:r>
-          </a:p>
-        </p:txBody>
-      </p:sp>
-      <p:sp>
-        <p:nvSpPr>
-          <p:cNvPr id="3" name="文本占位符 2">
-            <a:extLst>
-              <a:ext uri="{FF2B5EF4-FFF2-40B4-BE49-F238E27FC236}">
-                <a16:creationId xmlns:a16="http://schemas.microsoft.com/office/drawing/2014/main" id="{03F7CDC6-8869-A33A-B707-6BC69E90A8CF}"/>
-              </a:ext>
-            </a:extLst>
-          </p:cNvPr>
+            <a:endParaRPr lang="zh-CN" altLang="en-US"/>
+          </a:p>
+        </p:txBody>
+      </p:sp>
+      <p:sp>
+        <p:nvSpPr>
+          <p:cNvPr id="3" name="文本占位符 2"/>
           <p:cNvSpPr>
             <a:spLocks noGrp="1"/>
           </p:cNvSpPr>
@@ -1118,18 +977,13 @@
               <a:rPr lang="zh-CN" altLang="en-US"/>
               <a:t>单击此处编辑母版文本样式</a:t>
             </a:r>
-          </a:p>
-        </p:txBody>
-      </p:sp>
-      <p:sp>
-        <p:nvSpPr>
-          <p:cNvPr id="4" name="日期占位符 3">
-            <a:extLst>
-              <a:ext uri="{FF2B5EF4-FFF2-40B4-BE49-F238E27FC236}">
-                <a16:creationId xmlns:a16="http://schemas.microsoft.com/office/drawing/2014/main" id="{7246D587-D5DD-C3D8-6E98-E94482CE55E4}"/>
-              </a:ext>
-            </a:extLst>
-          </p:cNvPr>
+            <a:endParaRPr lang="zh-CN" altLang="en-US"/>
+          </a:p>
+        </p:txBody>
+      </p:sp>
+      <p:sp>
+        <p:nvSpPr>
+          <p:cNvPr id="4" name="日期占位符 3"/>
           <p:cNvSpPr>
             <a:spLocks noGrp="1"/>
           </p:cNvSpPr>
@@ -1144,7 +998,6 @@
           <a:p>
             <a:fld id="{6AE4E1EC-4955-49E8-8098-97C805464AF2}" type="datetimeFigureOut">
               <a:rPr lang="zh-CN" altLang="en-US" smtClean="0"/>
-              <a:t>2024/5/7</a:t>
             </a:fld>
             <a:endParaRPr lang="zh-CN" altLang="en-US"/>
           </a:p>
@@ -1152,13 +1005,7 @@
       </p:sp>
       <p:sp>
         <p:nvSpPr>
-          <p:cNvPr id="5" name="页脚占位符 4">
-            <a:extLst>
-              <a:ext uri="{FF2B5EF4-FFF2-40B4-BE49-F238E27FC236}">
-                <a16:creationId xmlns:a16="http://schemas.microsoft.com/office/drawing/2014/main" id="{302341BA-193B-2F9B-A19C-5AC80FEBCA56}"/>
-              </a:ext>
-            </a:extLst>
-          </p:cNvPr>
+          <p:cNvPr id="5" name="页脚占位符 4"/>
           <p:cNvSpPr>
             <a:spLocks noGrp="1"/>
           </p:cNvSpPr>
@@ -1177,13 +1024,7 @@
       </p:sp>
       <p:sp>
         <p:nvSpPr>
-          <p:cNvPr id="6" name="灯片编号占位符 5">
-            <a:extLst>
-              <a:ext uri="{FF2B5EF4-FFF2-40B4-BE49-F238E27FC236}">
-                <a16:creationId xmlns:a16="http://schemas.microsoft.com/office/drawing/2014/main" id="{3030B631-B4FA-09CE-688B-B83843D06B4E}"/>
-              </a:ext>
-            </a:extLst>
-          </p:cNvPr>
+          <p:cNvPr id="6" name="灯片编号占位符 5"/>
           <p:cNvSpPr>
             <a:spLocks noGrp="1"/>
           </p:cNvSpPr>
@@ -1198,18 +1039,12 @@
           <a:p>
             <a:fld id="{1B63BA6A-77B8-4D13-B8F3-2724A4F7B5A6}" type="slidenum">
               <a:rPr lang="zh-CN" altLang="en-US" smtClean="0"/>
-              <a:t>‹#›</a:t>
             </a:fld>
             <a:endParaRPr lang="zh-CN" altLang="en-US"/>
           </a:p>
         </p:txBody>
       </p:sp>
     </p:spTree>
-    <p:extLst>
-      <p:ext uri="{BB962C8B-B14F-4D97-AF65-F5344CB8AC3E}">
-        <p14:creationId xmlns:p14="http://schemas.microsoft.com/office/powerpoint/2010/main" val="1784874816"/>
-      </p:ext>
-    </p:extLst>
   </p:cSld>
   <p:clrMapOvr>
     <a:masterClrMapping/>
@@ -1236,13 +1071,7 @@
       </p:grpSpPr>
       <p:sp>
         <p:nvSpPr>
-          <p:cNvPr id="2" name="标题 1">
-            <a:extLst>
-              <a:ext uri="{FF2B5EF4-FFF2-40B4-BE49-F238E27FC236}">
-                <a16:creationId xmlns:a16="http://schemas.microsoft.com/office/drawing/2014/main" id="{CFA48FDD-5FE2-9ADB-43DE-4C9F53C2E1B0}"/>
-              </a:ext>
-            </a:extLst>
-          </p:cNvPr>
+          <p:cNvPr id="2" name="标题 1"/>
           <p:cNvSpPr>
             <a:spLocks noGrp="1"/>
           </p:cNvSpPr>
@@ -1259,18 +1088,13 @@
               <a:rPr lang="zh-CN" altLang="en-US"/>
               <a:t>单击此处编辑母版标题样式</a:t>
             </a:r>
-          </a:p>
-        </p:txBody>
-      </p:sp>
-      <p:sp>
-        <p:nvSpPr>
-          <p:cNvPr id="3" name="内容占位符 2">
-            <a:extLst>
-              <a:ext uri="{FF2B5EF4-FFF2-40B4-BE49-F238E27FC236}">
-                <a16:creationId xmlns:a16="http://schemas.microsoft.com/office/drawing/2014/main" id="{8651D081-2566-6FD2-F978-40AF39EA3F2D}"/>
-              </a:ext>
-            </a:extLst>
-          </p:cNvPr>
+            <a:endParaRPr lang="zh-CN" altLang="en-US"/>
+          </a:p>
+        </p:txBody>
+      </p:sp>
+      <p:sp>
+        <p:nvSpPr>
+          <p:cNvPr id="3" name="内容占位符 2"/>
           <p:cNvSpPr>
             <a:spLocks noGrp="1"/>
           </p:cNvSpPr>
@@ -1293,6 +1117,7 @@
               <a:rPr lang="zh-CN" altLang="en-US"/>
               <a:t>单击此处编辑母版文本样式</a:t>
             </a:r>
+            <a:endParaRPr lang="zh-CN" altLang="en-US"/>
           </a:p>
           <a:p>
             <a:pPr lvl="1"/>
@@ -1300,6 +1125,7 @@
               <a:rPr lang="zh-CN" altLang="en-US"/>
               <a:t>二级</a:t>
             </a:r>
+            <a:endParaRPr lang="zh-CN" altLang="en-US"/>
           </a:p>
           <a:p>
             <a:pPr lvl="2"/>
@@ -1307,6 +1133,7 @@
               <a:rPr lang="zh-CN" altLang="en-US"/>
               <a:t>三级</a:t>
             </a:r>
+            <a:endParaRPr lang="zh-CN" altLang="en-US"/>
           </a:p>
           <a:p>
             <a:pPr lvl="3"/>
@@ -1314,6 +1141,7 @@
               <a:rPr lang="zh-CN" altLang="en-US"/>
               <a:t>四级</a:t>
             </a:r>
+            <a:endParaRPr lang="zh-CN" altLang="en-US"/>
           </a:p>
           <a:p>
             <a:pPr lvl="4"/>
@@ -1321,18 +1149,13 @@
               <a:rPr lang="zh-CN" altLang="en-US"/>
               <a:t>五级</a:t>
             </a:r>
-          </a:p>
-        </p:txBody>
-      </p:sp>
-      <p:sp>
-        <p:nvSpPr>
-          <p:cNvPr id="4" name="内容占位符 3">
-            <a:extLst>
-              <a:ext uri="{FF2B5EF4-FFF2-40B4-BE49-F238E27FC236}">
-                <a16:creationId xmlns:a16="http://schemas.microsoft.com/office/drawing/2014/main" id="{6382502F-2496-A667-6318-6DFAFDFE02D8}"/>
-              </a:ext>
-            </a:extLst>
-          </p:cNvPr>
+            <a:endParaRPr lang="zh-CN" altLang="en-US"/>
+          </a:p>
+        </p:txBody>
+      </p:sp>
+      <p:sp>
+        <p:nvSpPr>
+          <p:cNvPr id="4" name="内容占位符 3"/>
           <p:cNvSpPr>
             <a:spLocks noGrp="1"/>
           </p:cNvSpPr>
@@ -1355,6 +1178,7 @@
               <a:rPr lang="zh-CN" altLang="en-US"/>
               <a:t>单击此处编辑母版文本样式</a:t>
             </a:r>
+            <a:endParaRPr lang="zh-CN" altLang="en-US"/>
           </a:p>
           <a:p>
             <a:pPr lvl="1"/>
@@ -1362,6 +1186,7 @@
               <a:rPr lang="zh-CN" altLang="en-US"/>
               <a:t>二级</a:t>
             </a:r>
+            <a:endParaRPr lang="zh-CN" altLang="en-US"/>
           </a:p>
           <a:p>
             <a:pPr lvl="2"/>
@@ -1369,6 +1194,7 @@
               <a:rPr lang="zh-CN" altLang="en-US"/>
               <a:t>三级</a:t>
             </a:r>
+            <a:endParaRPr lang="zh-CN" altLang="en-US"/>
           </a:p>
           <a:p>
             <a:pPr lvl="3"/>
@@ -1376,6 +1202,7 @@
               <a:rPr lang="zh-CN" altLang="en-US"/>
               <a:t>四级</a:t>
             </a:r>
+            <a:endParaRPr lang="zh-CN" altLang="en-US"/>
           </a:p>
           <a:p>
             <a:pPr lvl="4"/>
@@ -1383,18 +1210,13 @@
               <a:rPr lang="zh-CN" altLang="en-US"/>
               <a:t>五级</a:t>
             </a:r>
-          </a:p>
-        </p:txBody>
-      </p:sp>
-      <p:sp>
-        <p:nvSpPr>
-          <p:cNvPr id="5" name="日期占位符 4">
-            <a:extLst>
-              <a:ext uri="{FF2B5EF4-FFF2-40B4-BE49-F238E27FC236}">
-                <a16:creationId xmlns:a16="http://schemas.microsoft.com/office/drawing/2014/main" id="{EFFAFFB9-7818-0E82-35A9-CE44C94BA95B}"/>
-              </a:ext>
-            </a:extLst>
-          </p:cNvPr>
+            <a:endParaRPr lang="zh-CN" altLang="en-US"/>
+          </a:p>
+        </p:txBody>
+      </p:sp>
+      <p:sp>
+        <p:nvSpPr>
+          <p:cNvPr id="5" name="日期占位符 4"/>
           <p:cNvSpPr>
             <a:spLocks noGrp="1"/>
           </p:cNvSpPr>
@@ -1409,7 +1231,6 @@
           <a:p>
             <a:fld id="{6AE4E1EC-4955-49E8-8098-97C805464AF2}" type="datetimeFigureOut">
               <a:rPr lang="zh-CN" altLang="en-US" smtClean="0"/>
-              <a:t>2024/5/7</a:t>
             </a:fld>
             <a:endParaRPr lang="zh-CN" altLang="en-US"/>
           </a:p>
@@ -1417,13 +1238,7 @@
       </p:sp>
       <p:sp>
         <p:nvSpPr>
-          <p:cNvPr id="6" name="页脚占位符 5">
-            <a:extLst>
-              <a:ext uri="{FF2B5EF4-FFF2-40B4-BE49-F238E27FC236}">
-                <a16:creationId xmlns:a16="http://schemas.microsoft.com/office/drawing/2014/main" id="{A0655E0D-24E6-8731-E5A9-3237CC81A557}"/>
-              </a:ext>
-            </a:extLst>
-          </p:cNvPr>
+          <p:cNvPr id="6" name="页脚占位符 5"/>
           <p:cNvSpPr>
             <a:spLocks noGrp="1"/>
           </p:cNvSpPr>
@@ -1442,13 +1257,7 @@
       </p:sp>
       <p:sp>
         <p:nvSpPr>
-          <p:cNvPr id="7" name="灯片编号占位符 6">
-            <a:extLst>
-              <a:ext uri="{FF2B5EF4-FFF2-40B4-BE49-F238E27FC236}">
-                <a16:creationId xmlns:a16="http://schemas.microsoft.com/office/drawing/2014/main" id="{E7EC91C4-EED2-BDB5-6AA2-653612894749}"/>
-              </a:ext>
-            </a:extLst>
-          </p:cNvPr>
+          <p:cNvPr id="7" name="灯片编号占位符 6"/>
           <p:cNvSpPr>
             <a:spLocks noGrp="1"/>
           </p:cNvSpPr>
@@ -1463,18 +1272,12 @@
           <a:p>
             <a:fld id="{1B63BA6A-77B8-4D13-B8F3-2724A4F7B5A6}" type="slidenum">
               <a:rPr lang="zh-CN" altLang="en-US" smtClean="0"/>
-              <a:t>‹#›</a:t>
             </a:fld>
             <a:endParaRPr lang="zh-CN" altLang="en-US"/>
           </a:p>
         </p:txBody>
       </p:sp>
     </p:spTree>
-    <p:extLst>
-      <p:ext uri="{BB962C8B-B14F-4D97-AF65-F5344CB8AC3E}">
-        <p14:creationId xmlns:p14="http://schemas.microsoft.com/office/powerpoint/2010/main" val="3155416091"/>
-      </p:ext>
-    </p:extLst>
   </p:cSld>
   <p:clrMapOvr>
     <a:masterClrMapping/>
@@ -1501,13 +1304,7 @@
       </p:grpSpPr>
       <p:sp>
         <p:nvSpPr>
-          <p:cNvPr id="2" name="标题 1">
-            <a:extLst>
-              <a:ext uri="{FF2B5EF4-FFF2-40B4-BE49-F238E27FC236}">
-                <a16:creationId xmlns:a16="http://schemas.microsoft.com/office/drawing/2014/main" id="{C4A11911-90DF-2349-CC8A-8F4141F1D6F9}"/>
-              </a:ext>
-            </a:extLst>
-          </p:cNvPr>
+          <p:cNvPr id="2" name="标题 1"/>
           <p:cNvSpPr>
             <a:spLocks noGrp="1"/>
           </p:cNvSpPr>
@@ -1529,18 +1326,13 @@
               <a:rPr lang="zh-CN" altLang="en-US"/>
               <a:t>单击此处编辑母版标题样式</a:t>
             </a:r>
-          </a:p>
-        </p:txBody>
-      </p:sp>
-      <p:sp>
-        <p:nvSpPr>
-          <p:cNvPr id="3" name="文本占位符 2">
-            <a:extLst>
-              <a:ext uri="{FF2B5EF4-FFF2-40B4-BE49-F238E27FC236}">
-                <a16:creationId xmlns:a16="http://schemas.microsoft.com/office/drawing/2014/main" id="{44E85597-1C2D-8B81-25F6-57C493C035A5}"/>
-              </a:ext>
-            </a:extLst>
-          </p:cNvPr>
+            <a:endParaRPr lang="zh-CN" altLang="en-US"/>
+          </a:p>
+        </p:txBody>
+      </p:sp>
+      <p:sp>
+        <p:nvSpPr>
+          <p:cNvPr id="3" name="文本占位符 2"/>
           <p:cNvSpPr>
             <a:spLocks noGrp="1"/>
           </p:cNvSpPr>
@@ -1600,18 +1392,13 @@
               <a:rPr lang="zh-CN" altLang="en-US"/>
               <a:t>单击此处编辑母版文本样式</a:t>
             </a:r>
-          </a:p>
-        </p:txBody>
-      </p:sp>
-      <p:sp>
-        <p:nvSpPr>
-          <p:cNvPr id="4" name="内容占位符 3">
-            <a:extLst>
-              <a:ext uri="{FF2B5EF4-FFF2-40B4-BE49-F238E27FC236}">
-                <a16:creationId xmlns:a16="http://schemas.microsoft.com/office/drawing/2014/main" id="{65C5CE6E-0E86-FC0D-CF4C-33FD9395D6B6}"/>
-              </a:ext>
-            </a:extLst>
-          </p:cNvPr>
+            <a:endParaRPr lang="zh-CN" altLang="en-US"/>
+          </a:p>
+        </p:txBody>
+      </p:sp>
+      <p:sp>
+        <p:nvSpPr>
+          <p:cNvPr id="4" name="内容占位符 3"/>
           <p:cNvSpPr>
             <a:spLocks noGrp="1"/>
           </p:cNvSpPr>
@@ -1634,6 +1421,7 @@
               <a:rPr lang="zh-CN" altLang="en-US"/>
               <a:t>单击此处编辑母版文本样式</a:t>
             </a:r>
+            <a:endParaRPr lang="zh-CN" altLang="en-US"/>
           </a:p>
           <a:p>
             <a:pPr lvl="1"/>
@@ -1641,6 +1429,7 @@
               <a:rPr lang="zh-CN" altLang="en-US"/>
               <a:t>二级</a:t>
             </a:r>
+            <a:endParaRPr lang="zh-CN" altLang="en-US"/>
           </a:p>
           <a:p>
             <a:pPr lvl="2"/>
@@ -1648,6 +1437,7 @@
               <a:rPr lang="zh-CN" altLang="en-US"/>
               <a:t>三级</a:t>
             </a:r>
+            <a:endParaRPr lang="zh-CN" altLang="en-US"/>
           </a:p>
           <a:p>
             <a:pPr lvl="3"/>
@@ -1655,6 +1445,7 @@
               <a:rPr lang="zh-CN" altLang="en-US"/>
               <a:t>四级</a:t>
             </a:r>
+            <a:endParaRPr lang="zh-CN" altLang="en-US"/>
           </a:p>
           <a:p>
             <a:pPr lvl="4"/>
@@ -1662,18 +1453,13 @@
               <a:rPr lang="zh-CN" altLang="en-US"/>
               <a:t>五级</a:t>
             </a:r>
-          </a:p>
-        </p:txBody>
-      </p:sp>
-      <p:sp>
-        <p:nvSpPr>
-          <p:cNvPr id="5" name="文本占位符 4">
-            <a:extLst>
-              <a:ext uri="{FF2B5EF4-FFF2-40B4-BE49-F238E27FC236}">
-                <a16:creationId xmlns:a16="http://schemas.microsoft.com/office/drawing/2014/main" id="{AEAE2A59-2D38-B2F8-BB34-73CB52DF8A33}"/>
-              </a:ext>
-            </a:extLst>
-          </p:cNvPr>
+            <a:endParaRPr lang="zh-CN" altLang="en-US"/>
+          </a:p>
+        </p:txBody>
+      </p:sp>
+      <p:sp>
+        <p:nvSpPr>
+          <p:cNvPr id="5" name="文本占位符 4"/>
           <p:cNvSpPr>
             <a:spLocks noGrp="1"/>
           </p:cNvSpPr>
@@ -1733,18 +1519,13 @@
               <a:rPr lang="zh-CN" altLang="en-US"/>
               <a:t>单击此处编辑母版文本样式</a:t>
             </a:r>
-          </a:p>
-        </p:txBody>
-      </p:sp>
-      <p:sp>
-        <p:nvSpPr>
-          <p:cNvPr id="6" name="内容占位符 5">
-            <a:extLst>
-              <a:ext uri="{FF2B5EF4-FFF2-40B4-BE49-F238E27FC236}">
-                <a16:creationId xmlns:a16="http://schemas.microsoft.com/office/drawing/2014/main" id="{1E61A19B-570E-4646-2CA6-2383DDC6BE11}"/>
-              </a:ext>
-            </a:extLst>
-          </p:cNvPr>
+            <a:endParaRPr lang="zh-CN" altLang="en-US"/>
+          </a:p>
+        </p:txBody>
+      </p:sp>
+      <p:sp>
+        <p:nvSpPr>
+          <p:cNvPr id="6" name="内容占位符 5"/>
           <p:cNvSpPr>
             <a:spLocks noGrp="1"/>
           </p:cNvSpPr>
@@ -1767,6 +1548,7 @@
               <a:rPr lang="zh-CN" altLang="en-US"/>
               <a:t>单击此处编辑母版文本样式</a:t>
             </a:r>
+            <a:endParaRPr lang="zh-CN" altLang="en-US"/>
           </a:p>
           <a:p>
             <a:pPr lvl="1"/>
@@ -1774,6 +1556,7 @@
               <a:rPr lang="zh-CN" altLang="en-US"/>
               <a:t>二级</a:t>
             </a:r>
+            <a:endParaRPr lang="zh-CN" altLang="en-US"/>
           </a:p>
           <a:p>
             <a:pPr lvl="2"/>
@@ -1781,6 +1564,7 @@
               <a:rPr lang="zh-CN" altLang="en-US"/>
               <a:t>三级</a:t>
             </a:r>
+            <a:endParaRPr lang="zh-CN" altLang="en-US"/>
           </a:p>
           <a:p>
             <a:pPr lvl="3"/>
@@ -1788,6 +1572,7 @@
               <a:rPr lang="zh-CN" altLang="en-US"/>
               <a:t>四级</a:t>
             </a:r>
+            <a:endParaRPr lang="zh-CN" altLang="en-US"/>
           </a:p>
           <a:p>
             <a:pPr lvl="4"/>
@@ -1795,18 +1580,13 @@
               <a:rPr lang="zh-CN" altLang="en-US"/>
               <a:t>五级</a:t>
             </a:r>
-          </a:p>
-        </p:txBody>
-      </p:sp>
-      <p:sp>
-        <p:nvSpPr>
-          <p:cNvPr id="7" name="日期占位符 6">
-            <a:extLst>
-              <a:ext uri="{FF2B5EF4-FFF2-40B4-BE49-F238E27FC236}">
-                <a16:creationId xmlns:a16="http://schemas.microsoft.com/office/drawing/2014/main" id="{F67DC81B-3014-C5EB-4403-31E3657D2A81}"/>
-              </a:ext>
-            </a:extLst>
-          </p:cNvPr>
+            <a:endParaRPr lang="zh-CN" altLang="en-US"/>
+          </a:p>
+        </p:txBody>
+      </p:sp>
+      <p:sp>
+        <p:nvSpPr>
+          <p:cNvPr id="7" name="日期占位符 6"/>
           <p:cNvSpPr>
             <a:spLocks noGrp="1"/>
           </p:cNvSpPr>
@@ -1821,7 +1601,6 @@
           <a:p>
             <a:fld id="{6AE4E1EC-4955-49E8-8098-97C805464AF2}" type="datetimeFigureOut">
               <a:rPr lang="zh-CN" altLang="en-US" smtClean="0"/>
-              <a:t>2024/5/7</a:t>
             </a:fld>
             <a:endParaRPr lang="zh-CN" altLang="en-US"/>
           </a:p>
@@ -1829,13 +1608,7 @@
       </p:sp>
       <p:sp>
         <p:nvSpPr>
-          <p:cNvPr id="8" name="页脚占位符 7">
-            <a:extLst>
-              <a:ext uri="{FF2B5EF4-FFF2-40B4-BE49-F238E27FC236}">
-                <a16:creationId xmlns:a16="http://schemas.microsoft.com/office/drawing/2014/main" id="{8FA6D0BC-531C-A393-5F05-B8A2BDE96075}"/>
-              </a:ext>
-            </a:extLst>
-          </p:cNvPr>
+          <p:cNvPr id="8" name="页脚占位符 7"/>
           <p:cNvSpPr>
             <a:spLocks noGrp="1"/>
           </p:cNvSpPr>
@@ -1854,13 +1627,7 @@
       </p:sp>
       <p:sp>
         <p:nvSpPr>
-          <p:cNvPr id="9" name="灯片编号占位符 8">
-            <a:extLst>
-              <a:ext uri="{FF2B5EF4-FFF2-40B4-BE49-F238E27FC236}">
-                <a16:creationId xmlns:a16="http://schemas.microsoft.com/office/drawing/2014/main" id="{DFDF7C1A-8AFA-E0FE-A81D-A5EE13CEA1C5}"/>
-              </a:ext>
-            </a:extLst>
-          </p:cNvPr>
+          <p:cNvPr id="9" name="灯片编号占位符 8"/>
           <p:cNvSpPr>
             <a:spLocks noGrp="1"/>
           </p:cNvSpPr>
@@ -1875,18 +1642,12 @@
           <a:p>
             <a:fld id="{1B63BA6A-77B8-4D13-B8F3-2724A4F7B5A6}" type="slidenum">
               <a:rPr lang="zh-CN" altLang="en-US" smtClean="0"/>
-              <a:t>‹#›</a:t>
             </a:fld>
             <a:endParaRPr lang="zh-CN" altLang="en-US"/>
           </a:p>
         </p:txBody>
       </p:sp>
     </p:spTree>
-    <p:extLst>
-      <p:ext uri="{BB962C8B-B14F-4D97-AF65-F5344CB8AC3E}">
-        <p14:creationId xmlns:p14="http://schemas.microsoft.com/office/powerpoint/2010/main" val="3391691104"/>
-      </p:ext>
-    </p:extLst>
   </p:cSld>
   <p:clrMapOvr>
     <a:masterClrMapping/>
@@ -1913,13 +1674,7 @@
       </p:grpSpPr>
       <p:sp>
         <p:nvSpPr>
-          <p:cNvPr id="2" name="标题 1">
-            <a:extLst>
-              <a:ext uri="{FF2B5EF4-FFF2-40B4-BE49-F238E27FC236}">
-                <a16:creationId xmlns:a16="http://schemas.microsoft.com/office/drawing/2014/main" id="{AAFEADB8-1AF8-AEE8-C992-79CFE15B504A}"/>
-              </a:ext>
-            </a:extLst>
-          </p:cNvPr>
+          <p:cNvPr id="2" name="标题 1"/>
           <p:cNvSpPr>
             <a:spLocks noGrp="1"/>
           </p:cNvSpPr>
@@ -1936,18 +1691,13 @@
               <a:rPr lang="zh-CN" altLang="en-US"/>
               <a:t>单击此处编辑母版标题样式</a:t>
             </a:r>
-          </a:p>
-        </p:txBody>
-      </p:sp>
-      <p:sp>
-        <p:nvSpPr>
-          <p:cNvPr id="3" name="日期占位符 2">
-            <a:extLst>
-              <a:ext uri="{FF2B5EF4-FFF2-40B4-BE49-F238E27FC236}">
-                <a16:creationId xmlns:a16="http://schemas.microsoft.com/office/drawing/2014/main" id="{51A844CF-48D1-8EC3-6B9B-FDED9F8A5846}"/>
-              </a:ext>
-            </a:extLst>
-          </p:cNvPr>
+            <a:endParaRPr lang="zh-CN" altLang="en-US"/>
+          </a:p>
+        </p:txBody>
+      </p:sp>
+      <p:sp>
+        <p:nvSpPr>
+          <p:cNvPr id="3" name="日期占位符 2"/>
           <p:cNvSpPr>
             <a:spLocks noGrp="1"/>
           </p:cNvSpPr>
@@ -1962,7 +1712,6 @@
           <a:p>
             <a:fld id="{6AE4E1EC-4955-49E8-8098-97C805464AF2}" type="datetimeFigureOut">
               <a:rPr lang="zh-CN" altLang="en-US" smtClean="0"/>
-              <a:t>2024/5/7</a:t>
             </a:fld>
             <a:endParaRPr lang="zh-CN" altLang="en-US"/>
           </a:p>
@@ -1970,13 +1719,7 @@
       </p:sp>
       <p:sp>
         <p:nvSpPr>
-          <p:cNvPr id="4" name="页脚占位符 3">
-            <a:extLst>
-              <a:ext uri="{FF2B5EF4-FFF2-40B4-BE49-F238E27FC236}">
-                <a16:creationId xmlns:a16="http://schemas.microsoft.com/office/drawing/2014/main" id="{833FFBBD-75D5-A6AD-E79F-EB3DA1D0DFD9}"/>
-              </a:ext>
-            </a:extLst>
-          </p:cNvPr>
+          <p:cNvPr id="4" name="页脚占位符 3"/>
           <p:cNvSpPr>
             <a:spLocks noGrp="1"/>
           </p:cNvSpPr>
@@ -1995,13 +1738,7 @@
       </p:sp>
       <p:sp>
         <p:nvSpPr>
-          <p:cNvPr id="5" name="灯片编号占位符 4">
-            <a:extLst>
-              <a:ext uri="{FF2B5EF4-FFF2-40B4-BE49-F238E27FC236}">
-                <a16:creationId xmlns:a16="http://schemas.microsoft.com/office/drawing/2014/main" id="{2A169212-CDC5-38E2-E419-0245C2A79C67}"/>
-              </a:ext>
-            </a:extLst>
-          </p:cNvPr>
+          <p:cNvPr id="5" name="灯片编号占位符 4"/>
           <p:cNvSpPr>
             <a:spLocks noGrp="1"/>
           </p:cNvSpPr>
@@ -2016,18 +1753,12 @@
           <a:p>
             <a:fld id="{1B63BA6A-77B8-4D13-B8F3-2724A4F7B5A6}" type="slidenum">
               <a:rPr lang="zh-CN" altLang="en-US" smtClean="0"/>
-              <a:t>‹#›</a:t>
             </a:fld>
             <a:endParaRPr lang="zh-CN" altLang="en-US"/>
           </a:p>
         </p:txBody>
       </p:sp>
     </p:spTree>
-    <p:extLst>
-      <p:ext uri="{BB962C8B-B14F-4D97-AF65-F5344CB8AC3E}">
-        <p14:creationId xmlns:p14="http://schemas.microsoft.com/office/powerpoint/2010/main" val="159446016"/>
-      </p:ext>
-    </p:extLst>
   </p:cSld>
   <p:clrMapOvr>
     <a:masterClrMapping/>
@@ -2054,13 +1785,7 @@
       </p:grpSpPr>
       <p:sp>
         <p:nvSpPr>
-          <p:cNvPr id="2" name="日期占位符 1">
-            <a:extLst>
-              <a:ext uri="{FF2B5EF4-FFF2-40B4-BE49-F238E27FC236}">
-                <a16:creationId xmlns:a16="http://schemas.microsoft.com/office/drawing/2014/main" id="{A2D2A732-E63E-7ED6-5D00-C7C05999E091}"/>
-              </a:ext>
-            </a:extLst>
-          </p:cNvPr>
+          <p:cNvPr id="2" name="日期占位符 1"/>
           <p:cNvSpPr>
             <a:spLocks noGrp="1"/>
           </p:cNvSpPr>
@@ -2075,7 +1800,6 @@
           <a:p>
             <a:fld id="{6AE4E1EC-4955-49E8-8098-97C805464AF2}" type="datetimeFigureOut">
               <a:rPr lang="zh-CN" altLang="en-US" smtClean="0"/>
-              <a:t>2024/5/7</a:t>
             </a:fld>
             <a:endParaRPr lang="zh-CN" altLang="en-US"/>
           </a:p>
@@ -2083,13 +1807,7 @@
       </p:sp>
       <p:sp>
         <p:nvSpPr>
-          <p:cNvPr id="3" name="页脚占位符 2">
-            <a:extLst>
-              <a:ext uri="{FF2B5EF4-FFF2-40B4-BE49-F238E27FC236}">
-                <a16:creationId xmlns:a16="http://schemas.microsoft.com/office/drawing/2014/main" id="{D0A4961C-28A1-0360-3D1F-3C697247657C}"/>
-              </a:ext>
-            </a:extLst>
-          </p:cNvPr>
+          <p:cNvPr id="3" name="页脚占位符 2"/>
           <p:cNvSpPr>
             <a:spLocks noGrp="1"/>
           </p:cNvSpPr>
@@ -2108,13 +1826,7 @@
       </p:sp>
       <p:sp>
         <p:nvSpPr>
-          <p:cNvPr id="4" name="灯片编号占位符 3">
-            <a:extLst>
-              <a:ext uri="{FF2B5EF4-FFF2-40B4-BE49-F238E27FC236}">
-                <a16:creationId xmlns:a16="http://schemas.microsoft.com/office/drawing/2014/main" id="{8282CAEA-2E36-062C-D57B-6A2735F392B2}"/>
-              </a:ext>
-            </a:extLst>
-          </p:cNvPr>
+          <p:cNvPr id="4" name="灯片编号占位符 3"/>
           <p:cNvSpPr>
             <a:spLocks noGrp="1"/>
           </p:cNvSpPr>
@@ -2129,18 +1841,12 @@
           <a:p>
             <a:fld id="{1B63BA6A-77B8-4D13-B8F3-2724A4F7B5A6}" type="slidenum">
               <a:rPr lang="zh-CN" altLang="en-US" smtClean="0"/>
-              <a:t>‹#›</a:t>
             </a:fld>
             <a:endParaRPr lang="zh-CN" altLang="en-US"/>
           </a:p>
         </p:txBody>
       </p:sp>
     </p:spTree>
-    <p:extLst>
-      <p:ext uri="{BB962C8B-B14F-4D97-AF65-F5344CB8AC3E}">
-        <p14:creationId xmlns:p14="http://schemas.microsoft.com/office/powerpoint/2010/main" val="2854669991"/>
-      </p:ext>
-    </p:extLst>
   </p:cSld>
   <p:clrMapOvr>
     <a:masterClrMapping/>
@@ -2167,13 +1873,7 @@
       </p:grpSpPr>
       <p:sp>
         <p:nvSpPr>
-          <p:cNvPr id="2" name="标题 1">
-            <a:extLst>
-              <a:ext uri="{FF2B5EF4-FFF2-40B4-BE49-F238E27FC236}">
-                <a16:creationId xmlns:a16="http://schemas.microsoft.com/office/drawing/2014/main" id="{D8E0F418-2356-9448-E99C-9BEEB6092D9B}"/>
-              </a:ext>
-            </a:extLst>
-          </p:cNvPr>
+          <p:cNvPr id="2" name="标题 1"/>
           <p:cNvSpPr>
             <a:spLocks noGrp="1"/>
           </p:cNvSpPr>
@@ -2199,18 +1899,13 @@
               <a:rPr lang="zh-CN" altLang="en-US"/>
               <a:t>单击此处编辑母版标题样式</a:t>
             </a:r>
-          </a:p>
-        </p:txBody>
-      </p:sp>
-      <p:sp>
-        <p:nvSpPr>
-          <p:cNvPr id="3" name="内容占位符 2">
-            <a:extLst>
-              <a:ext uri="{FF2B5EF4-FFF2-40B4-BE49-F238E27FC236}">
-                <a16:creationId xmlns:a16="http://schemas.microsoft.com/office/drawing/2014/main" id="{6B6070F1-BD65-67A9-24D6-8E8348223837}"/>
-              </a:ext>
-            </a:extLst>
-          </p:cNvPr>
+            <a:endParaRPr lang="zh-CN" altLang="en-US"/>
+          </a:p>
+        </p:txBody>
+      </p:sp>
+      <p:sp>
+        <p:nvSpPr>
+          <p:cNvPr id="3" name="内容占位符 2"/>
           <p:cNvSpPr>
             <a:spLocks noGrp="1"/>
           </p:cNvSpPr>
@@ -2261,6 +1956,7 @@
               <a:rPr lang="zh-CN" altLang="en-US"/>
               <a:t>单击此处编辑母版文本样式</a:t>
             </a:r>
+            <a:endParaRPr lang="zh-CN" altLang="en-US"/>
           </a:p>
           <a:p>
             <a:pPr lvl="1"/>
@@ -2268,6 +1964,7 @@
               <a:rPr lang="zh-CN" altLang="en-US"/>
               <a:t>二级</a:t>
             </a:r>
+            <a:endParaRPr lang="zh-CN" altLang="en-US"/>
           </a:p>
           <a:p>
             <a:pPr lvl="2"/>
@@ -2275,6 +1972,7 @@
               <a:rPr lang="zh-CN" altLang="en-US"/>
               <a:t>三级</a:t>
             </a:r>
+            <a:endParaRPr lang="zh-CN" altLang="en-US"/>
           </a:p>
           <a:p>
             <a:pPr lvl="3"/>
@@ -2282,6 +1980,7 @@
               <a:rPr lang="zh-CN" altLang="en-US"/>
               <a:t>四级</a:t>
             </a:r>
+            <a:endParaRPr lang="zh-CN" altLang="en-US"/>
           </a:p>
           <a:p>
             <a:pPr lvl="4"/>
@@ -2289,18 +1988,13 @@
               <a:rPr lang="zh-CN" altLang="en-US"/>
               <a:t>五级</a:t>
             </a:r>
-          </a:p>
-        </p:txBody>
-      </p:sp>
-      <p:sp>
-        <p:nvSpPr>
-          <p:cNvPr id="4" name="文本占位符 3">
-            <a:extLst>
-              <a:ext uri="{FF2B5EF4-FFF2-40B4-BE49-F238E27FC236}">
-                <a16:creationId xmlns:a16="http://schemas.microsoft.com/office/drawing/2014/main" id="{5694FC59-BAA8-A98F-071C-65729B61DFD9}"/>
-              </a:ext>
-            </a:extLst>
-          </p:cNvPr>
+            <a:endParaRPr lang="zh-CN" altLang="en-US"/>
+          </a:p>
+        </p:txBody>
+      </p:sp>
+      <p:sp>
+        <p:nvSpPr>
+          <p:cNvPr id="4" name="文本占位符 3"/>
           <p:cNvSpPr>
             <a:spLocks noGrp="1"/>
           </p:cNvSpPr>
@@ -2360,18 +2054,13 @@
               <a:rPr lang="zh-CN" altLang="en-US"/>
               <a:t>单击此处编辑母版文本样式</a:t>
             </a:r>
-          </a:p>
-        </p:txBody>
-      </p:sp>
-      <p:sp>
-        <p:nvSpPr>
-          <p:cNvPr id="5" name="日期占位符 4">
-            <a:extLst>
-              <a:ext uri="{FF2B5EF4-FFF2-40B4-BE49-F238E27FC236}">
-                <a16:creationId xmlns:a16="http://schemas.microsoft.com/office/drawing/2014/main" id="{03205451-8135-AC51-B8F1-B9F9FDA7855B}"/>
-              </a:ext>
-            </a:extLst>
-          </p:cNvPr>
+            <a:endParaRPr lang="zh-CN" altLang="en-US"/>
+          </a:p>
+        </p:txBody>
+      </p:sp>
+      <p:sp>
+        <p:nvSpPr>
+          <p:cNvPr id="5" name="日期占位符 4"/>
           <p:cNvSpPr>
             <a:spLocks noGrp="1"/>
           </p:cNvSpPr>
@@ -2386,7 +2075,6 @@
           <a:p>
             <a:fld id="{6AE4E1EC-4955-49E8-8098-97C805464AF2}" type="datetimeFigureOut">
               <a:rPr lang="zh-CN" altLang="en-US" smtClean="0"/>
-              <a:t>2024/5/7</a:t>
             </a:fld>
             <a:endParaRPr lang="zh-CN" altLang="en-US"/>
           </a:p>
@@ -2394,13 +2082,7 @@
       </p:sp>
       <p:sp>
         <p:nvSpPr>
-          <p:cNvPr id="6" name="页脚占位符 5">
-            <a:extLst>
-              <a:ext uri="{FF2B5EF4-FFF2-40B4-BE49-F238E27FC236}">
-                <a16:creationId xmlns:a16="http://schemas.microsoft.com/office/drawing/2014/main" id="{DB6D4804-32DA-AA86-2F01-0F56DA593927}"/>
-              </a:ext>
-            </a:extLst>
-          </p:cNvPr>
+          <p:cNvPr id="6" name="页脚占位符 5"/>
           <p:cNvSpPr>
             <a:spLocks noGrp="1"/>
           </p:cNvSpPr>
@@ -2419,13 +2101,7 @@
       </p:sp>
       <p:sp>
         <p:nvSpPr>
-          <p:cNvPr id="7" name="灯片编号占位符 6">
-            <a:extLst>
-              <a:ext uri="{FF2B5EF4-FFF2-40B4-BE49-F238E27FC236}">
-                <a16:creationId xmlns:a16="http://schemas.microsoft.com/office/drawing/2014/main" id="{B188E0A7-A336-42DF-638C-9AF05CBA0824}"/>
-              </a:ext>
-            </a:extLst>
-          </p:cNvPr>
+          <p:cNvPr id="7" name="灯片编号占位符 6"/>
           <p:cNvSpPr>
             <a:spLocks noGrp="1"/>
           </p:cNvSpPr>
@@ -2440,18 +2116,12 @@
           <a:p>
             <a:fld id="{1B63BA6A-77B8-4D13-B8F3-2724A4F7B5A6}" type="slidenum">
               <a:rPr lang="zh-CN" altLang="en-US" smtClean="0"/>
-              <a:t>‹#›</a:t>
             </a:fld>
             <a:endParaRPr lang="zh-CN" altLang="en-US"/>
           </a:p>
         </p:txBody>
       </p:sp>
     </p:spTree>
-    <p:extLst>
-      <p:ext uri="{BB962C8B-B14F-4D97-AF65-F5344CB8AC3E}">
-        <p14:creationId xmlns:p14="http://schemas.microsoft.com/office/powerpoint/2010/main" val="1469721969"/>
-      </p:ext>
-    </p:extLst>
   </p:cSld>
   <p:clrMapOvr>
     <a:masterClrMapping/>
@@ -2478,13 +2148,7 @@
       </p:grpSpPr>
       <p:sp>
         <p:nvSpPr>
-          <p:cNvPr id="2" name="标题 1">
-            <a:extLst>
-              <a:ext uri="{FF2B5EF4-FFF2-40B4-BE49-F238E27FC236}">
-                <a16:creationId xmlns:a16="http://schemas.microsoft.com/office/drawing/2014/main" id="{8DAB4C41-79A5-BF1F-E8EE-FB63E0F31494}"/>
-              </a:ext>
-            </a:extLst>
-          </p:cNvPr>
+          <p:cNvPr id="2" name="标题 1"/>
           <p:cNvSpPr>
             <a:spLocks noGrp="1"/>
           </p:cNvSpPr>
@@ -2510,18 +2174,13 @@
               <a:rPr lang="zh-CN" altLang="en-US"/>
               <a:t>单击此处编辑母版标题样式</a:t>
             </a:r>
-          </a:p>
-        </p:txBody>
-      </p:sp>
-      <p:sp>
-        <p:nvSpPr>
-          <p:cNvPr id="3" name="图片占位符 2">
-            <a:extLst>
-              <a:ext uri="{FF2B5EF4-FFF2-40B4-BE49-F238E27FC236}">
-                <a16:creationId xmlns:a16="http://schemas.microsoft.com/office/drawing/2014/main" id="{0E9960E8-A34D-FF26-A41E-FADF2F347E9D}"/>
-              </a:ext>
-            </a:extLst>
-          </p:cNvPr>
+            <a:endParaRPr lang="zh-CN" altLang="en-US"/>
+          </a:p>
+        </p:txBody>
+      </p:sp>
+      <p:sp>
+        <p:nvSpPr>
+          <p:cNvPr id="3" name="图片占位符 2"/>
           <p:cNvSpPr>
             <a:spLocks noGrp="1"/>
           </p:cNvSpPr>
@@ -2582,13 +2241,7 @@
       </p:sp>
       <p:sp>
         <p:nvSpPr>
-          <p:cNvPr id="4" name="文本占位符 3">
-            <a:extLst>
-              <a:ext uri="{FF2B5EF4-FFF2-40B4-BE49-F238E27FC236}">
-                <a16:creationId xmlns:a16="http://schemas.microsoft.com/office/drawing/2014/main" id="{3F7A04AE-5FA5-0727-F1DC-CF654679B022}"/>
-              </a:ext>
-            </a:extLst>
-          </p:cNvPr>
+          <p:cNvPr id="4" name="文本占位符 3"/>
           <p:cNvSpPr>
             <a:spLocks noGrp="1"/>
           </p:cNvSpPr>
@@ -2648,18 +2301,13 @@
               <a:rPr lang="zh-CN" altLang="en-US"/>
               <a:t>单击此处编辑母版文本样式</a:t>
             </a:r>
-          </a:p>
-        </p:txBody>
-      </p:sp>
-      <p:sp>
-        <p:nvSpPr>
-          <p:cNvPr id="5" name="日期占位符 4">
-            <a:extLst>
-              <a:ext uri="{FF2B5EF4-FFF2-40B4-BE49-F238E27FC236}">
-                <a16:creationId xmlns:a16="http://schemas.microsoft.com/office/drawing/2014/main" id="{0F9C0E4B-CE56-8310-C798-0C8FEDBFB8D7}"/>
-              </a:ext>
-            </a:extLst>
-          </p:cNvPr>
+            <a:endParaRPr lang="zh-CN" altLang="en-US"/>
+          </a:p>
+        </p:txBody>
+      </p:sp>
+      <p:sp>
+        <p:nvSpPr>
+          <p:cNvPr id="5" name="日期占位符 4"/>
           <p:cNvSpPr>
             <a:spLocks noGrp="1"/>
           </p:cNvSpPr>
@@ -2674,7 +2322,6 @@
           <a:p>
             <a:fld id="{6AE4E1EC-4955-49E8-8098-97C805464AF2}" type="datetimeFigureOut">
               <a:rPr lang="zh-CN" altLang="en-US" smtClean="0"/>
-              <a:t>2024/5/7</a:t>
             </a:fld>
             <a:endParaRPr lang="zh-CN" altLang="en-US"/>
           </a:p>
@@ -2682,13 +2329,7 @@
       </p:sp>
       <p:sp>
         <p:nvSpPr>
-          <p:cNvPr id="6" name="页脚占位符 5">
-            <a:extLst>
-              <a:ext uri="{FF2B5EF4-FFF2-40B4-BE49-F238E27FC236}">
-                <a16:creationId xmlns:a16="http://schemas.microsoft.com/office/drawing/2014/main" id="{29359C36-B4EE-7B38-DEC5-4FF6D0607685}"/>
-              </a:ext>
-            </a:extLst>
-          </p:cNvPr>
+          <p:cNvPr id="6" name="页脚占位符 5"/>
           <p:cNvSpPr>
             <a:spLocks noGrp="1"/>
           </p:cNvSpPr>
@@ -2707,13 +2348,7 @@
       </p:sp>
       <p:sp>
         <p:nvSpPr>
-          <p:cNvPr id="7" name="灯片编号占位符 6">
-            <a:extLst>
-              <a:ext uri="{FF2B5EF4-FFF2-40B4-BE49-F238E27FC236}">
-                <a16:creationId xmlns:a16="http://schemas.microsoft.com/office/drawing/2014/main" id="{CE2D8EF9-143D-C764-F155-10BC9EEAF0C8}"/>
-              </a:ext>
-            </a:extLst>
-          </p:cNvPr>
+          <p:cNvPr id="7" name="灯片编号占位符 6"/>
           <p:cNvSpPr>
             <a:spLocks noGrp="1"/>
           </p:cNvSpPr>
@@ -2728,18 +2363,12 @@
           <a:p>
             <a:fld id="{1B63BA6A-77B8-4D13-B8F3-2724A4F7B5A6}" type="slidenum">
               <a:rPr lang="zh-CN" altLang="en-US" smtClean="0"/>
-              <a:t>‹#›</a:t>
             </a:fld>
             <a:endParaRPr lang="zh-CN" altLang="en-US"/>
           </a:p>
         </p:txBody>
       </p:sp>
     </p:spTree>
-    <p:extLst>
-      <p:ext uri="{BB962C8B-B14F-4D97-AF65-F5344CB8AC3E}">
-        <p14:creationId xmlns:p14="http://schemas.microsoft.com/office/powerpoint/2010/main" val="1528154502"/>
-      </p:ext>
-    </p:extLst>
   </p:cSld>
   <p:clrMapOvr>
     <a:masterClrMapping/>
@@ -2771,13 +2400,7 @@
       </p:grpSpPr>
       <p:sp>
         <p:nvSpPr>
-          <p:cNvPr id="2" name="标题占位符 1">
-            <a:extLst>
-              <a:ext uri="{FF2B5EF4-FFF2-40B4-BE49-F238E27FC236}">
-                <a16:creationId xmlns:a16="http://schemas.microsoft.com/office/drawing/2014/main" id="{F4377FA6-85B2-313B-F3A7-800875D8E49F}"/>
-              </a:ext>
-            </a:extLst>
-          </p:cNvPr>
+          <p:cNvPr id="2" name="标题占位符 1"/>
           <p:cNvSpPr>
             <a:spLocks noGrp="1"/>
           </p:cNvSpPr>
@@ -2804,18 +2427,13 @@
               <a:rPr lang="zh-CN" altLang="en-US"/>
               <a:t>单击此处编辑母版标题样式</a:t>
             </a:r>
-          </a:p>
-        </p:txBody>
-      </p:sp>
-      <p:sp>
-        <p:nvSpPr>
-          <p:cNvPr id="3" name="文本占位符 2">
-            <a:extLst>
-              <a:ext uri="{FF2B5EF4-FFF2-40B4-BE49-F238E27FC236}">
-                <a16:creationId xmlns:a16="http://schemas.microsoft.com/office/drawing/2014/main" id="{8C741F31-F03C-2A47-5263-638A013C9159}"/>
-              </a:ext>
-            </a:extLst>
-          </p:cNvPr>
+            <a:endParaRPr lang="zh-CN" altLang="en-US"/>
+          </a:p>
+        </p:txBody>
+      </p:sp>
+      <p:sp>
+        <p:nvSpPr>
+          <p:cNvPr id="3" name="文本占位符 2"/>
           <p:cNvSpPr>
             <a:spLocks noGrp="1"/>
           </p:cNvSpPr>
@@ -2843,6 +2461,7 @@
               <a:rPr lang="zh-CN" altLang="en-US"/>
               <a:t>单击此处编辑母版文本样式</a:t>
             </a:r>
+            <a:endParaRPr lang="zh-CN" altLang="en-US"/>
           </a:p>
           <a:p>
             <a:pPr lvl="1"/>
@@ -2850,6 +2469,7 @@
               <a:rPr lang="zh-CN" altLang="en-US"/>
               <a:t>二级</a:t>
             </a:r>
+            <a:endParaRPr lang="zh-CN" altLang="en-US"/>
           </a:p>
           <a:p>
             <a:pPr lvl="2"/>
@@ -2857,6 +2477,7 @@
               <a:rPr lang="zh-CN" altLang="en-US"/>
               <a:t>三级</a:t>
             </a:r>
+            <a:endParaRPr lang="zh-CN" altLang="en-US"/>
           </a:p>
           <a:p>
             <a:pPr lvl="3"/>
@@ -2864,6 +2485,7 @@
               <a:rPr lang="zh-CN" altLang="en-US"/>
               <a:t>四级</a:t>
             </a:r>
+            <a:endParaRPr lang="zh-CN" altLang="en-US"/>
           </a:p>
           <a:p>
             <a:pPr lvl="4"/>
@@ -2871,18 +2493,13 @@
               <a:rPr lang="zh-CN" altLang="en-US"/>
               <a:t>五级</a:t>
             </a:r>
-          </a:p>
-        </p:txBody>
-      </p:sp>
-      <p:sp>
-        <p:nvSpPr>
-          <p:cNvPr id="4" name="日期占位符 3">
-            <a:extLst>
-              <a:ext uri="{FF2B5EF4-FFF2-40B4-BE49-F238E27FC236}">
-                <a16:creationId xmlns:a16="http://schemas.microsoft.com/office/drawing/2014/main" id="{7C4AD8DF-E08D-F829-DA4C-D3E0CA94FBC3}"/>
-              </a:ext>
-            </a:extLst>
-          </p:cNvPr>
+            <a:endParaRPr lang="zh-CN" altLang="en-US"/>
+          </a:p>
+        </p:txBody>
+      </p:sp>
+      <p:sp>
+        <p:nvSpPr>
+          <p:cNvPr id="4" name="日期占位符 3"/>
           <p:cNvSpPr>
             <a:spLocks noGrp="1"/>
           </p:cNvSpPr>
@@ -2915,7 +2532,6 @@
           <a:p>
             <a:fld id="{6AE4E1EC-4955-49E8-8098-97C805464AF2}" type="datetimeFigureOut">
               <a:rPr lang="zh-CN" altLang="en-US" smtClean="0"/>
-              <a:t>2024/5/7</a:t>
             </a:fld>
             <a:endParaRPr lang="zh-CN" altLang="en-US"/>
           </a:p>
@@ -2923,13 +2539,7 @@
       </p:sp>
       <p:sp>
         <p:nvSpPr>
-          <p:cNvPr id="5" name="页脚占位符 4">
-            <a:extLst>
-              <a:ext uri="{FF2B5EF4-FFF2-40B4-BE49-F238E27FC236}">
-                <a16:creationId xmlns:a16="http://schemas.microsoft.com/office/drawing/2014/main" id="{709AD721-1371-5A4D-3728-C5B6604E1283}"/>
-              </a:ext>
-            </a:extLst>
-          </p:cNvPr>
+          <p:cNvPr id="5" name="页脚占位符 4"/>
           <p:cNvSpPr>
             <a:spLocks noGrp="1"/>
           </p:cNvSpPr>
@@ -2966,13 +2576,7 @@
       </p:sp>
       <p:sp>
         <p:nvSpPr>
-          <p:cNvPr id="6" name="灯片编号占位符 5">
-            <a:extLst>
-              <a:ext uri="{FF2B5EF4-FFF2-40B4-BE49-F238E27FC236}">
-                <a16:creationId xmlns:a16="http://schemas.microsoft.com/office/drawing/2014/main" id="{D048E955-CE29-F0A7-009A-101ED16C7FCF}"/>
-              </a:ext>
-            </a:extLst>
-          </p:cNvPr>
+          <p:cNvPr id="6" name="灯片编号占位符 5"/>
           <p:cNvSpPr>
             <a:spLocks noGrp="1"/>
           </p:cNvSpPr>
@@ -3005,18 +2609,12 @@
           <a:p>
             <a:fld id="{1B63BA6A-77B8-4D13-B8F3-2724A4F7B5A6}" type="slidenum">
               <a:rPr lang="zh-CN" altLang="en-US" smtClean="0"/>
-              <a:t>‹#›</a:t>
             </a:fld>
             <a:endParaRPr lang="zh-CN" altLang="en-US"/>
           </a:p>
         </p:txBody>
       </p:sp>
     </p:spTree>
-    <p:extLst>
-      <p:ext uri="{BB962C8B-B14F-4D97-AF65-F5344CB8AC3E}">
-        <p14:creationId xmlns:p14="http://schemas.microsoft.com/office/powerpoint/2010/main" val="3278672057"/>
-      </p:ext>
-    </p:extLst>
   </p:cSld>
   <p:clrMap bg1="lt1" tx1="dk1" bg2="lt2" tx2="dk2" accent1="accent1" accent2="accent2" accent3="accent3" accent4="accent4" accent5="accent5" accent6="accent6" hlink="hlink" folHlink="folHlink"/>
   <p:sldLayoutIdLst>
@@ -3334,13 +2932,7 @@
       </p:grpSpPr>
       <p:sp>
         <p:nvSpPr>
-          <p:cNvPr id="2" name="标题 1">
-            <a:extLst>
-              <a:ext uri="{FF2B5EF4-FFF2-40B4-BE49-F238E27FC236}">
-                <a16:creationId xmlns:a16="http://schemas.microsoft.com/office/drawing/2014/main" id="{F8CCDED4-C73C-00B1-280D-1B41B711E233}"/>
-              </a:ext>
-            </a:extLst>
-          </p:cNvPr>
+          <p:cNvPr id="2" name="标题 1"/>
           <p:cNvSpPr>
             <a:spLocks noGrp="1"/>
           </p:cNvSpPr>
@@ -3392,15 +2984,14 @@
               </a:rPr>
               <a:t>聚类算法</a:t>
             </a:r>
+            <a:endParaRPr lang="zh-CN" altLang="en-US" dirty="0">
+              <a:latin typeface="宋体" panose="02010600030101010101" pitchFamily="2" charset="-122"/>
+              <a:ea typeface="宋体" panose="02010600030101010101" pitchFamily="2" charset="-122"/>
+            </a:endParaRPr>
           </a:p>
         </p:txBody>
       </p:sp>
     </p:spTree>
-    <p:extLst>
-      <p:ext uri="{BB962C8B-B14F-4D97-AF65-F5344CB8AC3E}">
-        <p14:creationId xmlns:p14="http://schemas.microsoft.com/office/powerpoint/2010/main" val="1458566614"/>
-      </p:ext>
-    </p:extLst>
   </p:cSld>
   <p:clrMapOvr>
     <a:masterClrMapping/>
@@ -3427,13 +3018,7 @@
       </p:grpSpPr>
       <p:sp>
         <p:nvSpPr>
-          <p:cNvPr id="2" name="标题 1">
-            <a:extLst>
-              <a:ext uri="{FF2B5EF4-FFF2-40B4-BE49-F238E27FC236}">
-                <a16:creationId xmlns:a16="http://schemas.microsoft.com/office/drawing/2014/main" id="{855B57FA-3EFB-F635-B3AC-B9DF287EFC43}"/>
-              </a:ext>
-            </a:extLst>
-          </p:cNvPr>
+          <p:cNvPr id="2" name="标题 1"/>
           <p:cNvSpPr>
             <a:spLocks noGrp="1"/>
           </p:cNvSpPr>
@@ -3450,18 +3035,13 @@
               <a:rPr lang="zh-CN" altLang="en-US" dirty="0"/>
               <a:t>设置</a:t>
             </a:r>
-          </a:p>
-        </p:txBody>
-      </p:sp>
-      <p:sp>
-        <p:nvSpPr>
-          <p:cNvPr id="3" name="内容占位符 2">
-            <a:extLst>
-              <a:ext uri="{FF2B5EF4-FFF2-40B4-BE49-F238E27FC236}">
-                <a16:creationId xmlns:a16="http://schemas.microsoft.com/office/drawing/2014/main" id="{4630D4D7-A3A1-25FC-5947-B1E9F8B34AC6}"/>
-              </a:ext>
-            </a:extLst>
-          </p:cNvPr>
+            <a:endParaRPr lang="zh-CN" altLang="en-US" dirty="0"/>
+          </a:p>
+        </p:txBody>
+      </p:sp>
+      <p:sp>
+        <p:nvSpPr>
+          <p:cNvPr id="3" name="内容占位符 2"/>
           <p:cNvSpPr>
             <a:spLocks noGrp="1"/>
           </p:cNvSpPr>
@@ -3489,6 +3069,7 @@
               <a:rPr lang="en-US" altLang="zh-CN" sz="2400" dirty="0"/>
               <a:t>Python3</a:t>
             </a:r>
+            <a:endParaRPr lang="en-US" altLang="zh-CN" sz="2400" dirty="0"/>
           </a:p>
           <a:p>
             <a:pPr>
@@ -3504,6 +3085,7 @@
               <a:rPr lang="en-US" altLang="zh-CN" sz="2400" dirty="0"/>
               <a:t>Pandas</a:t>
             </a:r>
+            <a:endParaRPr lang="en-US" altLang="zh-CN" sz="2400" dirty="0"/>
           </a:p>
           <a:p>
             <a:pPr>
@@ -3528,11 +3110,6 @@
         </p:txBody>
       </p:sp>
     </p:spTree>
-    <p:extLst>
-      <p:ext uri="{BB962C8B-B14F-4D97-AF65-F5344CB8AC3E}">
-        <p14:creationId xmlns:p14="http://schemas.microsoft.com/office/powerpoint/2010/main" val="4023837460"/>
-      </p:ext>
-    </p:extLst>
   </p:cSld>
   <p:clrMapOvr>
     <a:masterClrMapping/>
@@ -3559,13 +3136,7 @@
       </p:grpSpPr>
       <p:sp>
         <p:nvSpPr>
-          <p:cNvPr id="2" name="标题 1">
-            <a:extLst>
-              <a:ext uri="{FF2B5EF4-FFF2-40B4-BE49-F238E27FC236}">
-                <a16:creationId xmlns:a16="http://schemas.microsoft.com/office/drawing/2014/main" id="{A0A348F6-BE35-DFCC-076C-C4BA5EB75CDE}"/>
-              </a:ext>
-            </a:extLst>
-          </p:cNvPr>
+          <p:cNvPr id="2" name="标题 1"/>
           <p:cNvSpPr>
             <a:spLocks noGrp="1"/>
           </p:cNvSpPr>
@@ -3582,18 +3153,13 @@
               <a:rPr lang="zh-CN" altLang="en-US" dirty="0"/>
               <a:t>任务</a:t>
             </a:r>
-          </a:p>
-        </p:txBody>
-      </p:sp>
-      <p:sp>
-        <p:nvSpPr>
-          <p:cNvPr id="3" name="内容占位符 2">
-            <a:extLst>
-              <a:ext uri="{FF2B5EF4-FFF2-40B4-BE49-F238E27FC236}">
-                <a16:creationId xmlns:a16="http://schemas.microsoft.com/office/drawing/2014/main" id="{BBF14C8F-BBDD-6E70-E968-27BD023D5B34}"/>
-              </a:ext>
-            </a:extLst>
-          </p:cNvPr>
+            <a:endParaRPr lang="zh-CN" altLang="en-US" dirty="0"/>
+          </a:p>
+        </p:txBody>
+      </p:sp>
+      <p:sp>
+        <p:nvSpPr>
+          <p:cNvPr id="3" name="内容占位符 2"/>
           <p:cNvSpPr>
             <a:spLocks noGrp="1"/>
           </p:cNvSpPr>
@@ -3671,11 +3237,6 @@
         </p:txBody>
       </p:sp>
     </p:spTree>
-    <p:extLst>
-      <p:ext uri="{BB962C8B-B14F-4D97-AF65-F5344CB8AC3E}">
-        <p14:creationId xmlns:p14="http://schemas.microsoft.com/office/powerpoint/2010/main" val="3325946476"/>
-      </p:ext>
-    </p:extLst>
   </p:cSld>
   <p:clrMapOvr>
     <a:masterClrMapping/>
@@ -3702,13 +3263,7 @@
       </p:grpSpPr>
       <p:sp>
         <p:nvSpPr>
-          <p:cNvPr id="2" name="标题 1">
-            <a:extLst>
-              <a:ext uri="{FF2B5EF4-FFF2-40B4-BE49-F238E27FC236}">
-                <a16:creationId xmlns:a16="http://schemas.microsoft.com/office/drawing/2014/main" id="{54FF2585-01F5-472D-86FB-72610B31774F}"/>
-              </a:ext>
-            </a:extLst>
-          </p:cNvPr>
+          <p:cNvPr id="2" name="标题 1"/>
           <p:cNvSpPr>
             <a:spLocks noGrp="1"/>
           </p:cNvSpPr>
@@ -3725,18 +3280,13 @@
               <a:rPr lang="zh-CN" altLang="en-US" dirty="0"/>
               <a:t>聚类算法参考</a:t>
             </a:r>
-          </a:p>
-        </p:txBody>
-      </p:sp>
-      <p:sp>
-        <p:nvSpPr>
-          <p:cNvPr id="3" name="内容占位符 2">
-            <a:extLst>
-              <a:ext uri="{FF2B5EF4-FFF2-40B4-BE49-F238E27FC236}">
-                <a16:creationId xmlns:a16="http://schemas.microsoft.com/office/drawing/2014/main" id="{FB4CA08D-7AB2-4BFC-BFD2-29C912236D5C}"/>
-              </a:ext>
-            </a:extLst>
-          </p:cNvPr>
+            <a:endParaRPr lang="zh-CN" altLang="en-US" dirty="0"/>
+          </a:p>
+        </p:txBody>
+      </p:sp>
+      <p:sp>
+        <p:nvSpPr>
+          <p:cNvPr id="3" name="内容占位符 2"/>
           <p:cNvSpPr>
             <a:spLocks noGrp="1"/>
           </p:cNvSpPr>
@@ -3758,7 +3308,7 @@
               <a:rPr lang="zh-CN" altLang="en-US" dirty="0">
                 <a:latin typeface="等线 Light" panose="02010600030101010101" pitchFamily="2" charset="-122"/>
                 <a:ea typeface="等线 Light" panose="02010600030101010101" pitchFamily="2" charset="-122"/>
-                <a:hlinkClick r:id="rId2"/>
+                <a:hlinkClick r:id="rId1"/>
               </a:rPr>
               <a:t>常用聚类算法 </a:t>
             </a:r>
@@ -3766,7 +3316,7 @@
               <a:rPr lang="en-US" altLang="zh-CN" dirty="0">
                 <a:latin typeface="等线 Light" panose="02010600030101010101" pitchFamily="2" charset="-122"/>
                 <a:ea typeface="等线 Light" panose="02010600030101010101" pitchFamily="2" charset="-122"/>
-                <a:hlinkClick r:id="rId2"/>
+                <a:hlinkClick r:id="rId1"/>
               </a:rPr>
               <a:t>- </a:t>
             </a:r>
@@ -3774,7 +3324,7 @@
               <a:rPr lang="zh-CN" altLang="en-US" dirty="0">
                 <a:latin typeface="等线 Light" panose="02010600030101010101" pitchFamily="2" charset="-122"/>
                 <a:ea typeface="等线 Light" panose="02010600030101010101" pitchFamily="2" charset="-122"/>
-                <a:hlinkClick r:id="rId2"/>
+                <a:hlinkClick r:id="rId1"/>
               </a:rPr>
               <a:t>知乎 </a:t>
             </a:r>
@@ -3782,7 +3332,7 @@
               <a:rPr lang="en-US" altLang="zh-CN" dirty="0">
                 <a:latin typeface="等线 Light" panose="02010600030101010101" pitchFamily="2" charset="-122"/>
                 <a:ea typeface="等线 Light" panose="02010600030101010101" pitchFamily="2" charset="-122"/>
-                <a:hlinkClick r:id="rId2"/>
+                <a:hlinkClick r:id="rId1"/>
               </a:rPr>
               <a:t>(zhihu.com)</a:t>
             </a:r>
@@ -3797,7 +3347,7 @@
               <a:rPr lang="en-US" altLang="zh-CN" dirty="0">
                 <a:latin typeface="等线 Light" panose="02010600030101010101" pitchFamily="2" charset="-122"/>
                 <a:ea typeface="等线 Light" panose="02010600030101010101" pitchFamily="2" charset="-122"/>
-                <a:hlinkClick r:id="rId2"/>
+                <a:hlinkClick r:id="rId1"/>
               </a:rPr>
               <a:t>https://zhuanlan.zhihu.com/p/104355127</a:t>
             </a:r>
@@ -3837,7 +3387,7 @@
               <a:rPr lang="en-US" altLang="zh-CN" dirty="0">
                 <a:latin typeface="等线 Light" panose="02010600030101010101" pitchFamily="2" charset="-122"/>
                 <a:ea typeface="等线 Light" panose="02010600030101010101" pitchFamily="2" charset="-122"/>
-                <a:hlinkClick r:id="rId3"/>
+                <a:hlinkClick r:id="rId2"/>
               </a:rPr>
               <a:t>https://blog.csdn.net/weixin_43584807/article/details/105539675</a:t>
             </a:r>
@@ -3856,7 +3406,7 @@
               <a:rPr lang="en-US" altLang="zh-CN" dirty="0">
                 <a:latin typeface="等线 Light" panose="02010600030101010101" pitchFamily="2" charset="-122"/>
                 <a:ea typeface="等线 Light" panose="02010600030101010101" pitchFamily="2" charset="-122"/>
-                <a:hlinkClick r:id="rId4"/>
+                <a:hlinkClick r:id="rId3"/>
               </a:rPr>
               <a:t>(12 </a:t>
             </a:r>
@@ -3864,7 +3414,7 @@
               <a:rPr lang="zh-CN" altLang="en-US" dirty="0">
                 <a:latin typeface="等线 Light" panose="02010600030101010101" pitchFamily="2" charset="-122"/>
                 <a:ea typeface="等线 Light" panose="02010600030101010101" pitchFamily="2" charset="-122"/>
-                <a:hlinkClick r:id="rId4"/>
+                <a:hlinkClick r:id="rId3"/>
               </a:rPr>
               <a:t>封私信 </a:t>
             </a:r>
@@ -3872,7 +3422,7 @@
               <a:rPr lang="en-US" altLang="zh-CN" dirty="0">
                 <a:latin typeface="等线 Light" panose="02010600030101010101" pitchFamily="2" charset="-122"/>
                 <a:ea typeface="等线 Light" panose="02010600030101010101" pitchFamily="2" charset="-122"/>
-                <a:hlinkClick r:id="rId4"/>
+                <a:hlinkClick r:id="rId3"/>
               </a:rPr>
               <a:t>/ 4 </a:t>
             </a:r>
@@ -3880,7 +3430,7 @@
               <a:rPr lang="zh-CN" altLang="en-US" dirty="0">
                 <a:latin typeface="等线 Light" panose="02010600030101010101" pitchFamily="2" charset="-122"/>
                 <a:ea typeface="等线 Light" panose="02010600030101010101" pitchFamily="2" charset="-122"/>
-                <a:hlinkClick r:id="rId4"/>
+                <a:hlinkClick r:id="rId3"/>
               </a:rPr>
               <a:t>条消息</a:t>
             </a:r>
@@ -3888,7 +3438,7 @@
               <a:rPr lang="en-US" altLang="zh-CN" dirty="0">
                 <a:latin typeface="等线 Light" panose="02010600030101010101" pitchFamily="2" charset="-122"/>
                 <a:ea typeface="等线 Light" panose="02010600030101010101" pitchFamily="2" charset="-122"/>
-                <a:hlinkClick r:id="rId4"/>
+                <a:hlinkClick r:id="rId3"/>
               </a:rPr>
               <a:t>) </a:t>
             </a:r>
@@ -3896,7 +3446,7 @@
               <a:rPr lang="zh-CN" altLang="en-US" dirty="0">
                 <a:latin typeface="等线 Light" panose="02010600030101010101" pitchFamily="2" charset="-122"/>
                 <a:ea typeface="等线 Light" panose="02010600030101010101" pitchFamily="2" charset="-122"/>
-                <a:hlinkClick r:id="rId4"/>
+                <a:hlinkClick r:id="rId3"/>
               </a:rPr>
               <a:t>目前流行和先进的聚类算法有哪些</a:t>
             </a:r>
@@ -3904,7 +3454,7 @@
               <a:rPr lang="en-US" altLang="zh-CN" dirty="0">
                 <a:latin typeface="等线 Light" panose="02010600030101010101" pitchFamily="2" charset="-122"/>
                 <a:ea typeface="等线 Light" panose="02010600030101010101" pitchFamily="2" charset="-122"/>
-                <a:hlinkClick r:id="rId4"/>
+                <a:hlinkClick r:id="rId3"/>
               </a:rPr>
               <a:t>? - </a:t>
             </a:r>
@@ -3912,7 +3462,7 @@
               <a:rPr lang="zh-CN" altLang="en-US" dirty="0">
                 <a:latin typeface="等线 Light" panose="02010600030101010101" pitchFamily="2" charset="-122"/>
                 <a:ea typeface="等线 Light" panose="02010600030101010101" pitchFamily="2" charset="-122"/>
-                <a:hlinkClick r:id="rId4"/>
+                <a:hlinkClick r:id="rId3"/>
               </a:rPr>
               <a:t>知乎 </a:t>
             </a:r>
@@ -3920,7 +3470,7 @@
               <a:rPr lang="en-US" altLang="zh-CN" dirty="0">
                 <a:latin typeface="等线 Light" panose="02010600030101010101" pitchFamily="2" charset="-122"/>
                 <a:ea typeface="等线 Light" panose="02010600030101010101" pitchFamily="2" charset="-122"/>
-                <a:hlinkClick r:id="rId4"/>
+                <a:hlinkClick r:id="rId3"/>
               </a:rPr>
               <a:t>(zhihu.com)</a:t>
             </a:r>
@@ -3935,7 +3485,7 @@
               <a:rPr lang="en-US" altLang="zh-CN" dirty="0">
                 <a:latin typeface="等线 Light" panose="02010600030101010101" pitchFamily="2" charset="-122"/>
                 <a:ea typeface="等线 Light" panose="02010600030101010101" pitchFamily="2" charset="-122"/>
-                <a:hlinkClick r:id="rId4"/>
+                <a:hlinkClick r:id="rId3"/>
               </a:rPr>
               <a:t>https://www.zhihu.com/question/494753171</a:t>
             </a:r>
@@ -3970,11 +3520,6 @@
         </p:txBody>
       </p:sp>
     </p:spTree>
-    <p:extLst>
-      <p:ext uri="{BB962C8B-B14F-4D97-AF65-F5344CB8AC3E}">
-        <p14:creationId xmlns:p14="http://schemas.microsoft.com/office/powerpoint/2010/main" val="4189112593"/>
-      </p:ext>
-    </p:extLst>
   </p:cSld>
   <p:clrMapOvr>
     <a:masterClrMapping/>
@@ -4001,13 +3546,7 @@
       </p:grpSpPr>
       <p:sp>
         <p:nvSpPr>
-          <p:cNvPr id="2" name="标题 1">
-            <a:extLst>
-              <a:ext uri="{FF2B5EF4-FFF2-40B4-BE49-F238E27FC236}">
-                <a16:creationId xmlns:a16="http://schemas.microsoft.com/office/drawing/2014/main" id="{08B89EFE-649F-DC6A-61E4-211D89356BF4}"/>
-              </a:ext>
-            </a:extLst>
-          </p:cNvPr>
+          <p:cNvPr id="2" name="标题 1"/>
           <p:cNvSpPr>
             <a:spLocks noGrp="1"/>
           </p:cNvSpPr>
@@ -4024,18 +3563,13 @@
               <a:rPr lang="zh-CN" altLang="en-US" dirty="0"/>
               <a:t>数据集 </a:t>
             </a:r>
-          </a:p>
-        </p:txBody>
-      </p:sp>
-      <p:sp>
-        <p:nvSpPr>
-          <p:cNvPr id="7" name="文本框 6">
-            <a:extLst>
-              <a:ext uri="{FF2B5EF4-FFF2-40B4-BE49-F238E27FC236}">
-                <a16:creationId xmlns:a16="http://schemas.microsoft.com/office/drawing/2014/main" id="{976CE72A-718A-678E-2D24-98B35A74D685}"/>
-              </a:ext>
-            </a:extLst>
-          </p:cNvPr>
+            <a:endParaRPr lang="zh-CN" altLang="en-US" dirty="0"/>
+          </a:p>
+        </p:txBody>
+      </p:sp>
+      <p:sp>
+        <p:nvSpPr>
+          <p:cNvPr id="7" name="文本框 6"/>
           <p:cNvSpPr txBox="1"/>
           <p:nvPr/>
         </p:nvSpPr>
@@ -4075,7 +3609,7 @@
                 </a:solidFill>
                 <a:effectLst/>
                 <a:latin typeface="Times New Roman" panose="02020603050405020304" pitchFamily="18" charset="0"/>
-                <a:ea typeface="Microsoft YaHei" panose="020B0503020204020204" pitchFamily="34" charset="-122"/>
+                <a:ea typeface="微软雅黑" panose="020B0503020204020204" pitchFamily="34" charset="-122"/>
                 <a:cs typeface="Times New Roman" panose="02020603050405020304" pitchFamily="18" charset="0"/>
               </a:rPr>
               <a:t>KDD Cup 1999 Data </a:t>
@@ -4093,7 +3627,7 @@
             </a:r>
             <a:r>
               <a:rPr lang="en-US" altLang="zh-CN" sz="2400" dirty="0">
-                <a:hlinkClick r:id="rId2"/>
+                <a:hlinkClick r:id="rId1"/>
               </a:rPr>
               <a:t>KDD Cup 1999 Data (uci.edu)</a:t>
             </a:r>
@@ -4107,20 +3641,14 @@
       </p:sp>
       <p:pic>
         <p:nvPicPr>
-          <p:cNvPr id="4" name="图片 3">
-            <a:extLst>
-              <a:ext uri="{FF2B5EF4-FFF2-40B4-BE49-F238E27FC236}">
-                <a16:creationId xmlns:a16="http://schemas.microsoft.com/office/drawing/2014/main" id="{DAA5E1C7-F4A9-4C7E-8C27-E8169764D09A}"/>
-              </a:ext>
-            </a:extLst>
-          </p:cNvPr>
+          <p:cNvPr id="4" name="图片 3"/>
           <p:cNvPicPr>
             <a:picLocks noChangeAspect="1"/>
           </p:cNvPicPr>
           <p:nvPr/>
         </p:nvPicPr>
         <p:blipFill>
-          <a:blip r:embed="rId3">
+          <a:blip r:embed="rId2">
             <a:extLst>
               <a:ext uri="{28A0092B-C50C-407E-A947-70E740481C1C}">
                 <a14:useLocalDpi xmlns:a14="http://schemas.microsoft.com/office/drawing/2010/main" val="0"/>
@@ -4142,11 +3670,6 @@
         </p:spPr>
       </p:pic>
     </p:spTree>
-    <p:extLst>
-      <p:ext uri="{BB962C8B-B14F-4D97-AF65-F5344CB8AC3E}">
-        <p14:creationId xmlns:p14="http://schemas.microsoft.com/office/powerpoint/2010/main" val="2813434538"/>
-      </p:ext>
-    </p:extLst>
   </p:cSld>
   <p:clrMapOvr>
     <a:masterClrMapping/>
@@ -4173,13 +3696,7 @@
       </p:grpSpPr>
       <p:sp>
         <p:nvSpPr>
-          <p:cNvPr id="2" name="标题 1">
-            <a:extLst>
-              <a:ext uri="{FF2B5EF4-FFF2-40B4-BE49-F238E27FC236}">
-                <a16:creationId xmlns:a16="http://schemas.microsoft.com/office/drawing/2014/main" id="{08B89EFE-649F-DC6A-61E4-211D89356BF4}"/>
-              </a:ext>
-            </a:extLst>
-          </p:cNvPr>
+          <p:cNvPr id="2" name="标题 1"/>
           <p:cNvSpPr>
             <a:spLocks noGrp="1"/>
           </p:cNvSpPr>
@@ -4196,18 +3713,13 @@
               <a:rPr lang="zh-CN" altLang="en-US" dirty="0"/>
               <a:t>数据集 </a:t>
             </a:r>
-          </a:p>
-        </p:txBody>
-      </p:sp>
-      <p:sp>
-        <p:nvSpPr>
-          <p:cNvPr id="7" name="文本框 6">
-            <a:extLst>
-              <a:ext uri="{FF2B5EF4-FFF2-40B4-BE49-F238E27FC236}">
-                <a16:creationId xmlns:a16="http://schemas.microsoft.com/office/drawing/2014/main" id="{976CE72A-718A-678E-2D24-98B35A74D685}"/>
-              </a:ext>
-            </a:extLst>
-          </p:cNvPr>
+            <a:endParaRPr lang="zh-CN" altLang="en-US" dirty="0"/>
+          </a:p>
+        </p:txBody>
+      </p:sp>
+      <p:sp>
+        <p:nvSpPr>
+          <p:cNvPr id="7" name="文本框 6"/>
           <p:cNvSpPr txBox="1"/>
           <p:nvPr/>
         </p:nvSpPr>
@@ -4247,7 +3759,7 @@
                 </a:solidFill>
                 <a:effectLst/>
                 <a:latin typeface="Times New Roman" panose="02020603050405020304" pitchFamily="18" charset="0"/>
-                <a:ea typeface="Microsoft YaHei" panose="020B0503020204020204" pitchFamily="34" charset="-122"/>
+                <a:ea typeface="微软雅黑" panose="020B0503020204020204" pitchFamily="34" charset="-122"/>
                 <a:cs typeface="Times New Roman" panose="02020603050405020304" pitchFamily="18" charset="0"/>
               </a:rPr>
               <a:t>KDD Cup 1999 Data </a:t>
@@ -4265,7 +3777,7 @@
             </a:r>
             <a:r>
               <a:rPr lang="en-US" altLang="zh-CN" sz="2400" dirty="0">
-                <a:hlinkClick r:id="rId2"/>
+                <a:hlinkClick r:id="rId1"/>
               </a:rPr>
               <a:t>KDD Cup 1999 Data (uci.edu)</a:t>
             </a:r>
@@ -4279,20 +3791,14 @@
       </p:sp>
       <p:pic>
         <p:nvPicPr>
-          <p:cNvPr id="4" name="图片 3">
-            <a:extLst>
-              <a:ext uri="{FF2B5EF4-FFF2-40B4-BE49-F238E27FC236}">
-                <a16:creationId xmlns:a16="http://schemas.microsoft.com/office/drawing/2014/main" id="{DAA5E1C7-F4A9-4C7E-8C27-E8169764D09A}"/>
-              </a:ext>
-            </a:extLst>
-          </p:cNvPr>
+          <p:cNvPr id="4" name="图片 3"/>
           <p:cNvPicPr>
             <a:picLocks noChangeAspect="1"/>
           </p:cNvPicPr>
           <p:nvPr/>
         </p:nvPicPr>
         <p:blipFill>
-          <a:blip r:embed="rId3">
+          <a:blip r:embed="rId2">
             <a:extLst>
               <a:ext uri="{28A0092B-C50C-407E-A947-70E740481C1C}">
                 <a14:useLocalDpi xmlns:a14="http://schemas.microsoft.com/office/drawing/2010/main" val="0"/>
@@ -4315,20 +3821,14 @@
       </p:pic>
       <p:pic>
         <p:nvPicPr>
-          <p:cNvPr id="5" name="图片 4">
-            <a:extLst>
-              <a:ext uri="{FF2B5EF4-FFF2-40B4-BE49-F238E27FC236}">
-                <a16:creationId xmlns:a16="http://schemas.microsoft.com/office/drawing/2014/main" id="{FFA10676-453C-4120-AFD8-D4E971AD1EFF}"/>
-              </a:ext>
-            </a:extLst>
-          </p:cNvPr>
+          <p:cNvPr id="5" name="图片 4"/>
           <p:cNvPicPr>
             <a:picLocks noChangeAspect="1"/>
           </p:cNvPicPr>
           <p:nvPr/>
         </p:nvPicPr>
         <p:blipFill>
-          <a:blip r:embed="rId4">
+          <a:blip r:embed="rId3">
             <a:extLst>
               <a:ext uri="{28A0092B-C50C-407E-A947-70E740481C1C}">
                 <a14:useLocalDpi xmlns:a14="http://schemas.microsoft.com/office/drawing/2010/main" val="0"/>
@@ -4350,11 +3850,6 @@
         </p:spPr>
       </p:pic>
     </p:spTree>
-    <p:extLst>
-      <p:ext uri="{BB962C8B-B14F-4D97-AF65-F5344CB8AC3E}">
-        <p14:creationId xmlns:p14="http://schemas.microsoft.com/office/powerpoint/2010/main" val="610876086"/>
-      </p:ext>
-    </p:extLst>
   </p:cSld>
   <p:clrMapOvr>
     <a:masterClrMapping/>
@@ -4381,13 +3876,7 @@
       </p:grpSpPr>
       <p:sp>
         <p:nvSpPr>
-          <p:cNvPr id="2" name="标题 1">
-            <a:extLst>
-              <a:ext uri="{FF2B5EF4-FFF2-40B4-BE49-F238E27FC236}">
-                <a16:creationId xmlns:a16="http://schemas.microsoft.com/office/drawing/2014/main" id="{1CF55B1E-08E5-7DE3-3457-9CF202172AD3}"/>
-              </a:ext>
-            </a:extLst>
-          </p:cNvPr>
+          <p:cNvPr id="2" name="标题 1"/>
           <p:cNvSpPr>
             <a:spLocks noGrp="1"/>
           </p:cNvSpPr>
@@ -4404,18 +3893,13 @@
               <a:rPr lang="zh-CN" altLang="en-US" dirty="0"/>
               <a:t>作业提交</a:t>
             </a:r>
-          </a:p>
-        </p:txBody>
-      </p:sp>
-      <p:sp>
-        <p:nvSpPr>
-          <p:cNvPr id="3" name="内容占位符 2">
-            <a:extLst>
-              <a:ext uri="{FF2B5EF4-FFF2-40B4-BE49-F238E27FC236}">
-                <a16:creationId xmlns:a16="http://schemas.microsoft.com/office/drawing/2014/main" id="{88123B82-FA28-1234-7829-D335FAF54D4E}"/>
-              </a:ext>
-            </a:extLst>
-          </p:cNvPr>
+            <a:endParaRPr lang="zh-CN" altLang="en-US" dirty="0"/>
+          </a:p>
+        </p:txBody>
+      </p:sp>
+      <p:sp>
+        <p:nvSpPr>
+          <p:cNvPr id="3" name="内容占位符 2"/>
           <p:cNvSpPr>
             <a:spLocks noGrp="1"/>
           </p:cNvSpPr>
@@ -4606,16 +4090,17 @@
         </p:txBody>
       </p:sp>
     </p:spTree>
-    <p:extLst>
-      <p:ext uri="{BB962C8B-B14F-4D97-AF65-F5344CB8AC3E}">
-        <p14:creationId xmlns:p14="http://schemas.microsoft.com/office/powerpoint/2010/main" val="2117742112"/>
-      </p:ext>
-    </p:extLst>
   </p:cSld>
   <p:clrMapOvr>
     <a:masterClrMapping/>
   </p:clrMapOvr>
 </p:sld>
+</file>
+
+<file path=ppt/tags/tag1.xml><?xml version="1.0" encoding="utf-8"?>
+<p:tagLst xmlns:p="http://schemas.openxmlformats.org/presentationml/2006/main">
+  <p:tag name="commondata" val="eyJoZGlkIjoiN2RmZTZmM2Y1N2Q4Mzc1MjAyYTNlNzAwMTM3MDZhZDUifQ=="/>
+</p:tagLst>
 </file>
 
 <file path=ppt/theme/theme1.xml><?xml version="1.0" encoding="utf-8"?>
@@ -4661,7 +4146,7 @@
     </a:clrScheme>
     <a:fontScheme name="Office">
       <a:majorFont>
-        <a:latin typeface="等线 Light" panose="020F0302020204030204"/>
+        <a:latin typeface="等线 Light"/>
         <a:ea typeface=""/>
         <a:cs typeface=""/>
         <a:font script="Jpan" typeface="游ゴシック Light"/>
@@ -4694,26 +4179,9 @@
         <a:font script="Viet" typeface="Times New Roman"/>
         <a:font script="Uigh" typeface="Microsoft Uighur"/>
         <a:font script="Geor" typeface="Sylfaen"/>
-        <a:font script="Armn" typeface="Arial"/>
-        <a:font script="Bugi" typeface="Leelawadee UI"/>
-        <a:font script="Bopo" typeface="Microsoft JhengHei"/>
-        <a:font script="Java" typeface="Javanese Text"/>
-        <a:font script="Lisu" typeface="Segoe UI"/>
-        <a:font script="Mymr" typeface="Myanmar Text"/>
-        <a:font script="Nkoo" typeface="Ebrima"/>
-        <a:font script="Olck" typeface="Nirmala UI"/>
-        <a:font script="Osma" typeface="Ebrima"/>
-        <a:font script="Phag" typeface="Phagspa"/>
-        <a:font script="Syrn" typeface="Estrangelo Edessa"/>
-        <a:font script="Syrj" typeface="Estrangelo Edessa"/>
-        <a:font script="Syre" typeface="Estrangelo Edessa"/>
-        <a:font script="Sora" typeface="Nirmala UI"/>
-        <a:font script="Tale" typeface="Microsoft Tai Le"/>
-        <a:font script="Talu" typeface="Microsoft New Tai Lue"/>
-        <a:font script="Tfng" typeface="Ebrima"/>
       </a:majorFont>
       <a:minorFont>
-        <a:latin typeface="等线" panose="020F0502020204030204"/>
+        <a:latin typeface="等线"/>
         <a:ea typeface=""/>
         <a:cs typeface=""/>
         <a:font script="Jpan" typeface="游ゴシック"/>
@@ -4746,23 +4214,6 @@
         <a:font script="Viet" typeface="Arial"/>
         <a:font script="Uigh" typeface="Microsoft Uighur"/>
         <a:font script="Geor" typeface="Sylfaen"/>
-        <a:font script="Armn" typeface="Arial"/>
-        <a:font script="Bugi" typeface="Leelawadee UI"/>
-        <a:font script="Bopo" typeface="Microsoft JhengHei"/>
-        <a:font script="Java" typeface="Javanese Text"/>
-        <a:font script="Lisu" typeface="Segoe UI"/>
-        <a:font script="Mymr" typeface="Myanmar Text"/>
-        <a:font script="Nkoo" typeface="Ebrima"/>
-        <a:font script="Olck" typeface="Nirmala UI"/>
-        <a:font script="Osma" typeface="Ebrima"/>
-        <a:font script="Phag" typeface="Phagspa"/>
-        <a:font script="Syrn" typeface="Estrangelo Edessa"/>
-        <a:font script="Syrj" typeface="Estrangelo Edessa"/>
-        <a:font script="Syre" typeface="Estrangelo Edessa"/>
-        <a:font script="Sora" typeface="Nirmala UI"/>
-        <a:font script="Tale" typeface="Microsoft Tai Le"/>
-        <a:font script="Talu" typeface="Microsoft New Tai Lue"/>
-        <a:font script="Tfng" typeface="Ebrima"/>
       </a:minorFont>
     </a:fontScheme>
     <a:fmtScheme name="Office">
@@ -4903,8 +4354,6 @@
       </a:bgFillStyleLst>
     </a:fmtScheme>
   </a:themeElements>
-  <a:objectDefaults/>
-  <a:extraClrSchemeLst/>
   <a:extLst>
     <a:ext uri="{05A4C25C-085E-4340-85A3-A5531E510DB2}">
       <thm15:themeFamily xmlns:thm15="http://schemas.microsoft.com/office/thememl/2012/main" name="Office Theme" id="{62F939B6-93AF-4DB8-9C6B-D6C7DFDC589F}" vid="{4A3C46E8-61CC-4603-A589-7422A47A8E4A}"/>
